--- a/FinalReport/presentation.pptx
+++ b/FinalReport/presentation.pptx
@@ -7,14 +7,17 @@
   <p:sldIdLst>
     <p:sldId id="256" r:id="rId2"/>
     <p:sldId id="257" r:id="rId3"/>
-    <p:sldId id="264" r:id="rId4"/>
-    <p:sldId id="265" r:id="rId5"/>
-    <p:sldId id="262" r:id="rId6"/>
-    <p:sldId id="266" r:id="rId7"/>
-    <p:sldId id="267" r:id="rId8"/>
-    <p:sldId id="268" r:id="rId9"/>
-    <p:sldId id="270" r:id="rId10"/>
-    <p:sldId id="269" r:id="rId11"/>
+    <p:sldId id="274" r:id="rId4"/>
+    <p:sldId id="264" r:id="rId5"/>
+    <p:sldId id="265" r:id="rId6"/>
+    <p:sldId id="262" r:id="rId7"/>
+    <p:sldId id="266" r:id="rId8"/>
+    <p:sldId id="267" r:id="rId9"/>
+    <p:sldId id="268" r:id="rId10"/>
+    <p:sldId id="272" r:id="rId11"/>
+    <p:sldId id="270" r:id="rId12"/>
+    <p:sldId id="269" r:id="rId13"/>
+    <p:sldId id="271" r:id="rId14"/>
   </p:sldIdLst>
   <p:sldSz cx="10080625" cy="7559675"/>
   <p:notesSz cx="7772400" cy="10058400"/>
@@ -1716,6 +1719,308 @@
       </p:grpSpPr>
       <p:sp>
         <p:nvSpPr>
+          <p:cNvPr id="2" name="Title 1"/>
+          <p:cNvSpPr>
+            <a:spLocks noGrp="1"/>
+          </p:cNvSpPr>
+          <p:nvPr>
+            <p:ph type="title"/>
+          </p:nvPr>
+        </p:nvSpPr>
+        <p:spPr/>
+        <p:txBody>
+          <a:bodyPr/>
+          <a:lstStyle/>
+          <a:p>
+            <a:pPr algn="ctr"/>
+            <a:r>
+              <a:rPr lang="en-US" sz="4400" dirty="0" err="1" smtClean="0"/>
+              <a:t>Coauthorship</a:t>
+            </a:r>
+            <a:r>
+              <a:rPr lang="en-US" sz="4400" dirty="0" smtClean="0"/>
+              <a:t> Features</a:t>
+            </a:r>
+            <a:endParaRPr lang="en-US" sz="4400" dirty="0"/>
+          </a:p>
+        </p:txBody>
+      </p:sp>
+      <p:pic>
+        <p:nvPicPr>
+          <p:cNvPr id="4" name="Picture 3" descr="coauthor.pdf"/>
+          <p:cNvPicPr>
+            <a:picLocks noChangeAspect="1"/>
+          </p:cNvPicPr>
+          <p:nvPr/>
+        </p:nvPicPr>
+        <p:blipFill>
+          <a:blip r:embed="rId2"/>
+          <a:stretch>
+            <a:fillRect/>
+          </a:stretch>
+        </p:blipFill>
+        <p:spPr>
+          <a:xfrm>
+            <a:off x="3427589" y="1804121"/>
+            <a:ext cx="2528476" cy="4329335"/>
+          </a:xfrm>
+          <a:prstGeom prst="rect">
+            <a:avLst/>
+          </a:prstGeom>
+        </p:spPr>
+      </p:pic>
+    </p:spTree>
+    <p:extLst>
+      <p:ext uri="{BB962C8B-B14F-4D97-AF65-F5344CB8AC3E}">
+        <p14:creationId xmlns:p14="http://schemas.microsoft.com/office/powerpoint/2010/main" val="1617446940"/>
+      </p:ext>
+    </p:extLst>
+  </p:cSld>
+  <p:clrMapOvr>
+    <a:masterClrMapping/>
+  </p:clrMapOvr>
+  <p:timing>
+    <p:tnLst>
+      <p:par>
+        <p:cTn xmlns:p14="http://schemas.microsoft.com/office/powerpoint/2010/main" id="1" dur="indefinite" restart="never" nodeType="tmRoot">
+          <p:childTnLst>
+            <p:seq concurrent="1" nextAc="seek">
+              <p:cTn id="2" dur="indefinite" nodeType="mainSeq">
+                <p:childTnLst>
+                  <p:par>
+                    <p:cTn id="3" fill="hold">
+                      <p:stCondLst>
+                        <p:cond delay="indefinite"/>
+                      </p:stCondLst>
+                      <p:childTnLst>
+                        <p:par>
+                          <p:cTn id="4" fill="hold">
+                            <p:stCondLst>
+                              <p:cond delay="0"/>
+                            </p:stCondLst>
+                            <p:childTnLst>
+                              <p:par>
+                                <p:cTn id="5" presetID="2" presetClass="entr" presetSubtype="4" fill="hold" nodeType="clickEffect">
+                                  <p:stCondLst>
+                                    <p:cond delay="0"/>
+                                  </p:stCondLst>
+                                  <p:childTnLst>
+                                    <p:set>
+                                      <p:cBhvr>
+                                        <p:cTn id="6" dur="1" fill="hold">
+                                          <p:stCondLst>
+                                            <p:cond delay="0"/>
+                                          </p:stCondLst>
+                                        </p:cTn>
+                                        <p:tgtEl>
+                                          <p:spTgt spid="4"/>
+                                        </p:tgtEl>
+                                        <p:attrNameLst>
+                                          <p:attrName>style.visibility</p:attrName>
+                                        </p:attrNameLst>
+                                      </p:cBhvr>
+                                      <p:to>
+                                        <p:strVal val="visible"/>
+                                      </p:to>
+                                    </p:set>
+                                    <p:anim calcmode="lin" valueType="num">
+                                      <p:cBhvr additive="base">
+                                        <p:cTn id="7" dur="500" fill="hold"/>
+                                        <p:tgtEl>
+                                          <p:spTgt spid="4"/>
+                                        </p:tgtEl>
+                                        <p:attrNameLst>
+                                          <p:attrName>ppt_x</p:attrName>
+                                        </p:attrNameLst>
+                                      </p:cBhvr>
+                                      <p:tavLst>
+                                        <p:tav tm="0">
+                                          <p:val>
+                                            <p:strVal val="#ppt_x"/>
+                                          </p:val>
+                                        </p:tav>
+                                        <p:tav tm="100000">
+                                          <p:val>
+                                            <p:strVal val="#ppt_x"/>
+                                          </p:val>
+                                        </p:tav>
+                                      </p:tavLst>
+                                    </p:anim>
+                                    <p:anim calcmode="lin" valueType="num">
+                                      <p:cBhvr additive="base">
+                                        <p:cTn id="8" dur="500" fill="hold"/>
+                                        <p:tgtEl>
+                                          <p:spTgt spid="4"/>
+                                        </p:tgtEl>
+                                        <p:attrNameLst>
+                                          <p:attrName>ppt_y</p:attrName>
+                                        </p:attrNameLst>
+                                      </p:cBhvr>
+                                      <p:tavLst>
+                                        <p:tav tm="0">
+                                          <p:val>
+                                            <p:strVal val="1+#ppt_h/2"/>
+                                          </p:val>
+                                        </p:tav>
+                                        <p:tav tm="100000">
+                                          <p:val>
+                                            <p:strVal val="#ppt_y"/>
+                                          </p:val>
+                                        </p:tav>
+                                      </p:tavLst>
+                                    </p:anim>
+                                  </p:childTnLst>
+                                </p:cTn>
+                              </p:par>
+                            </p:childTnLst>
+                          </p:cTn>
+                        </p:par>
+                      </p:childTnLst>
+                    </p:cTn>
+                  </p:par>
+                  <p:par>
+                    <p:cTn id="9" fill="hold">
+                      <p:stCondLst>
+                        <p:cond delay="indefinite"/>
+                      </p:stCondLst>
+                      <p:childTnLst>
+                        <p:par>
+                          <p:cTn id="10" fill="hold">
+                            <p:stCondLst>
+                              <p:cond delay="0"/>
+                            </p:stCondLst>
+                            <p:childTnLst>
+                              <p:par>
+                                <p:cTn id="11" presetID="45" presetClass="entr" presetSubtype="0" fill="hold" nodeType="clickEffect">
+                                  <p:stCondLst>
+                                    <p:cond delay="0"/>
+                                  </p:stCondLst>
+                                  <p:childTnLst>
+                                    <p:set>
+                                      <p:cBhvr>
+                                        <p:cTn id="12" dur="1" fill="hold">
+                                          <p:stCondLst>
+                                            <p:cond delay="0"/>
+                                          </p:stCondLst>
+                                        </p:cTn>
+                                        <p:tgtEl>
+                                          <p:spTgt spid="4"/>
+                                        </p:tgtEl>
+                                        <p:attrNameLst>
+                                          <p:attrName>style.visibility</p:attrName>
+                                        </p:attrNameLst>
+                                      </p:cBhvr>
+                                      <p:to>
+                                        <p:strVal val="visible"/>
+                                      </p:to>
+                                    </p:set>
+                                    <p:animEffect transition="in" filter="fade">
+                                      <p:cBhvr>
+                                        <p:cTn id="13" dur="2000"/>
+                                        <p:tgtEl>
+                                          <p:spTgt spid="4"/>
+                                        </p:tgtEl>
+                                      </p:cBhvr>
+                                    </p:animEffect>
+                                    <p:anim calcmode="lin" valueType="num">
+                                      <p:cBhvr>
+                                        <p:cTn id="14" dur="2000" fill="hold"/>
+                                        <p:tgtEl>
+                                          <p:spTgt spid="4"/>
+                                        </p:tgtEl>
+                                        <p:attrNameLst>
+                                          <p:attrName>ppt_w</p:attrName>
+                                        </p:attrNameLst>
+                                      </p:cBhvr>
+                                      <p:tavLst>
+                                        <p:tav tm="0" fmla="#ppt_w*sin(2.5*pi*$)">
+                                          <p:val>
+                                            <p:fltVal val="0"/>
+                                          </p:val>
+                                        </p:tav>
+                                        <p:tav tm="100000">
+                                          <p:val>
+                                            <p:fltVal val="1"/>
+                                          </p:val>
+                                        </p:tav>
+                                      </p:tavLst>
+                                    </p:anim>
+                                    <p:anim calcmode="lin" valueType="num">
+                                      <p:cBhvr>
+                                        <p:cTn id="15" dur="2000" fill="hold"/>
+                                        <p:tgtEl>
+                                          <p:spTgt spid="4"/>
+                                        </p:tgtEl>
+                                        <p:attrNameLst>
+                                          <p:attrName>ppt_h</p:attrName>
+                                        </p:attrNameLst>
+                                      </p:cBhvr>
+                                      <p:tavLst>
+                                        <p:tav tm="0">
+                                          <p:val>
+                                            <p:strVal val="#ppt_h"/>
+                                          </p:val>
+                                        </p:tav>
+                                        <p:tav tm="100000">
+                                          <p:val>
+                                            <p:strVal val="#ppt_h"/>
+                                          </p:val>
+                                        </p:tav>
+                                      </p:tavLst>
+                                    </p:anim>
+                                  </p:childTnLst>
+                                </p:cTn>
+                              </p:par>
+                            </p:childTnLst>
+                          </p:cTn>
+                        </p:par>
+                      </p:childTnLst>
+                    </p:cTn>
+                  </p:par>
+                </p:childTnLst>
+              </p:cTn>
+              <p:prevCondLst>
+                <p:cond evt="onPrev" delay="0">
+                  <p:tgtEl>
+                    <p:sldTgt/>
+                  </p:tgtEl>
+                </p:cond>
+              </p:prevCondLst>
+              <p:nextCondLst>
+                <p:cond evt="onNext" delay="0">
+                  <p:tgtEl>
+                    <p:sldTgt/>
+                  </p:tgtEl>
+                </p:cond>
+              </p:nextCondLst>
+            </p:seq>
+          </p:childTnLst>
+        </p:cTn>
+      </p:par>
+    </p:tnLst>
+  </p:timing>
+</p:sld>
+</file>
+
+<file path=ppt/slides/slide11.xml><?xml version="1.0" encoding="utf-8"?>
+<p:sld xmlns:a="http://schemas.openxmlformats.org/drawingml/2006/main" xmlns:r="http://schemas.openxmlformats.org/officeDocument/2006/relationships" xmlns:p="http://schemas.openxmlformats.org/presentationml/2006/main">
+  <p:cSld>
+    <p:spTree>
+      <p:nvGrpSpPr>
+        <p:cNvPr id="1" name=""/>
+        <p:cNvGrpSpPr/>
+        <p:nvPr/>
+      </p:nvGrpSpPr>
+      <p:grpSpPr>
+        <a:xfrm>
+          <a:off x="0" y="0"/>
+          <a:ext cx="0" cy="0"/>
+          <a:chOff x="0" y="0"/>
+          <a:chExt cx="0" cy="0"/>
+        </a:xfrm>
+      </p:grpSpPr>
+      <p:sp>
+        <p:nvSpPr>
           <p:cNvPr id="50" name="TextShape 1"/>
           <p:cNvSpPr txBox="1"/>
           <p:nvPr/>
@@ -1777,6 +2082,360 @@
               <a:buFont typeface="Arial"/>
               <a:buChar char="•"/>
             </a:pPr>
+            <a:r>
+              <a:rPr lang="en-US" sz="3200" dirty="0" smtClean="0">
+                <a:solidFill>
+                  <a:srgbClr val="000000"/>
+                </a:solidFill>
+                <a:latin typeface="Calibri"/>
+              </a:rPr>
+              <a:t>Classification accuracy not enough</a:t>
+            </a:r>
+          </a:p>
+          <a:p>
+            <a:pPr marL="742950" lvl="1" indent="-285750">
+              <a:buFont typeface="Arial"/>
+              <a:buChar char="•"/>
+            </a:pPr>
+            <a:r>
+              <a:rPr lang="en-US" sz="3200" dirty="0" smtClean="0">
+                <a:solidFill>
+                  <a:srgbClr val="000000"/>
+                </a:solidFill>
+                <a:latin typeface="Calibri"/>
+              </a:rPr>
+              <a:t>We can deduce that DS2=DS3 despite classification error</a:t>
+            </a:r>
+          </a:p>
+        </p:txBody>
+      </p:sp>
+      <p:sp>
+        <p:nvSpPr>
+          <p:cNvPr id="4" name="Oval 3"/>
+          <p:cNvSpPr/>
+          <p:nvPr/>
+        </p:nvSpPr>
+        <p:spPr>
+          <a:xfrm>
+            <a:off x="5305778" y="3475656"/>
+            <a:ext cx="1832180" cy="921025"/>
+          </a:xfrm>
+          <a:prstGeom prst="ellipse">
+            <a:avLst/>
+          </a:prstGeom>
+        </p:spPr>
+        <p:style>
+          <a:lnRef idx="1">
+            <a:schemeClr val="accent1"/>
+          </a:lnRef>
+          <a:fillRef idx="3">
+            <a:schemeClr val="accent1"/>
+          </a:fillRef>
+          <a:effectRef idx="2">
+            <a:schemeClr val="accent1"/>
+          </a:effectRef>
+          <a:fontRef idx="minor">
+            <a:schemeClr val="lt1"/>
+          </a:fontRef>
+        </p:style>
+        <p:txBody>
+          <a:bodyPr rtlCol="0" anchor="ctr"/>
+          <a:lstStyle/>
+          <a:p>
+            <a:pPr algn="ctr"/>
+            <a:r>
+              <a:rPr lang="en-US" dirty="0" smtClean="0"/>
+              <a:t>David Smith 1</a:t>
+            </a:r>
+            <a:endParaRPr lang="en-US" dirty="0"/>
+          </a:p>
+        </p:txBody>
+      </p:sp>
+      <p:sp>
+        <p:nvSpPr>
+          <p:cNvPr id="5" name="Oval 4"/>
+          <p:cNvSpPr/>
+          <p:nvPr/>
+        </p:nvSpPr>
+        <p:spPr>
+          <a:xfrm>
+            <a:off x="4016465" y="4701481"/>
+            <a:ext cx="1832180" cy="921025"/>
+          </a:xfrm>
+          <a:prstGeom prst="ellipse">
+            <a:avLst/>
+          </a:prstGeom>
+        </p:spPr>
+        <p:style>
+          <a:lnRef idx="1">
+            <a:schemeClr val="accent1"/>
+          </a:lnRef>
+          <a:fillRef idx="3">
+            <a:schemeClr val="accent1"/>
+          </a:fillRef>
+          <a:effectRef idx="2">
+            <a:schemeClr val="accent1"/>
+          </a:effectRef>
+          <a:fontRef idx="minor">
+            <a:schemeClr val="lt1"/>
+          </a:fontRef>
+        </p:style>
+        <p:txBody>
+          <a:bodyPr rtlCol="0" anchor="ctr"/>
+          <a:lstStyle/>
+          <a:p>
+            <a:pPr algn="ctr"/>
+            <a:r>
+              <a:rPr lang="en-US" dirty="0" smtClean="0"/>
+              <a:t>David Smith 2</a:t>
+            </a:r>
+            <a:endParaRPr lang="en-US" dirty="0"/>
+          </a:p>
+        </p:txBody>
+      </p:sp>
+      <p:sp>
+        <p:nvSpPr>
+          <p:cNvPr id="6" name="Oval 5"/>
+          <p:cNvSpPr/>
+          <p:nvPr/>
+        </p:nvSpPr>
+        <p:spPr>
+          <a:xfrm>
+            <a:off x="6701724" y="4701481"/>
+            <a:ext cx="1832180" cy="921025"/>
+          </a:xfrm>
+          <a:prstGeom prst="ellipse">
+            <a:avLst/>
+          </a:prstGeom>
+        </p:spPr>
+        <p:style>
+          <a:lnRef idx="1">
+            <a:schemeClr val="accent1"/>
+          </a:lnRef>
+          <a:fillRef idx="3">
+            <a:schemeClr val="accent1"/>
+          </a:fillRef>
+          <a:effectRef idx="2">
+            <a:schemeClr val="accent1"/>
+          </a:effectRef>
+          <a:fontRef idx="minor">
+            <a:schemeClr val="lt1"/>
+          </a:fontRef>
+        </p:style>
+        <p:txBody>
+          <a:bodyPr rtlCol="0" anchor="ctr"/>
+          <a:lstStyle/>
+          <a:p>
+            <a:pPr algn="ctr"/>
+            <a:r>
+              <a:rPr lang="en-US" dirty="0" smtClean="0"/>
+              <a:t>David Smith 3</a:t>
+            </a:r>
+            <a:endParaRPr lang="en-US" dirty="0"/>
+          </a:p>
+        </p:txBody>
+      </p:sp>
+      <p:cxnSp>
+        <p:nvCxnSpPr>
+          <p:cNvPr id="7" name="Straight Connector 6"/>
+          <p:cNvCxnSpPr>
+            <a:endCxn id="4" idx="3"/>
+          </p:cNvCxnSpPr>
+          <p:nvPr/>
+        </p:nvCxnSpPr>
+        <p:spPr>
+          <a:xfrm flipV="1">
+            <a:off x="4956792" y="4261800"/>
+            <a:ext cx="617303" cy="439681"/>
+          </a:xfrm>
+          <a:prstGeom prst="line">
+            <a:avLst/>
+          </a:prstGeom>
+        </p:spPr>
+        <p:style>
+          <a:lnRef idx="2">
+            <a:schemeClr val="accent1"/>
+          </a:lnRef>
+          <a:fillRef idx="0">
+            <a:schemeClr val="accent1"/>
+          </a:fillRef>
+          <a:effectRef idx="1">
+            <a:schemeClr val="accent1"/>
+          </a:effectRef>
+          <a:fontRef idx="minor">
+            <a:schemeClr val="tx1"/>
+          </a:fontRef>
+        </p:style>
+      </p:cxnSp>
+      <p:cxnSp>
+        <p:nvCxnSpPr>
+          <p:cNvPr id="8" name="Straight Connector 7"/>
+          <p:cNvCxnSpPr>
+            <a:stCxn id="4" idx="5"/>
+            <a:endCxn id="6" idx="0"/>
+          </p:cNvCxnSpPr>
+          <p:nvPr/>
+        </p:nvCxnSpPr>
+        <p:spPr>
+          <a:xfrm>
+            <a:off x="6869641" y="4261800"/>
+            <a:ext cx="748173" cy="439681"/>
+          </a:xfrm>
+          <a:prstGeom prst="line">
+            <a:avLst/>
+          </a:prstGeom>
+        </p:spPr>
+        <p:style>
+          <a:lnRef idx="2">
+            <a:schemeClr val="accent1"/>
+          </a:lnRef>
+          <a:fillRef idx="0">
+            <a:schemeClr val="accent1"/>
+          </a:fillRef>
+          <a:effectRef idx="1">
+            <a:schemeClr val="accent1"/>
+          </a:effectRef>
+          <a:fontRef idx="minor">
+            <a:schemeClr val="tx1"/>
+          </a:fontRef>
+        </p:style>
+      </p:cxnSp>
+      <p:cxnSp>
+        <p:nvCxnSpPr>
+          <p:cNvPr id="9" name="Straight Connector 8"/>
+          <p:cNvCxnSpPr>
+            <a:stCxn id="5" idx="6"/>
+            <a:endCxn id="6" idx="2"/>
+          </p:cNvCxnSpPr>
+          <p:nvPr/>
+        </p:nvCxnSpPr>
+        <p:spPr>
+          <a:xfrm>
+            <a:off x="5848645" y="5161994"/>
+            <a:ext cx="853079" cy="0"/>
+          </a:xfrm>
+          <a:prstGeom prst="line">
+            <a:avLst/>
+          </a:prstGeom>
+          <a:ln>
+            <a:prstDash val="sysDash"/>
+          </a:ln>
+        </p:spPr>
+        <p:style>
+          <a:lnRef idx="2">
+            <a:schemeClr val="accent1"/>
+          </a:lnRef>
+          <a:fillRef idx="0">
+            <a:schemeClr val="accent1"/>
+          </a:fillRef>
+          <a:effectRef idx="1">
+            <a:schemeClr val="accent1"/>
+          </a:effectRef>
+          <a:fontRef idx="minor">
+            <a:schemeClr val="tx1"/>
+          </a:fontRef>
+        </p:style>
+      </p:cxnSp>
+    </p:spTree>
+    <p:extLst>
+      <p:ext uri="{BB962C8B-B14F-4D97-AF65-F5344CB8AC3E}">
+        <p14:creationId xmlns:p14="http://schemas.microsoft.com/office/powerpoint/2010/main" val="2449085474"/>
+      </p:ext>
+    </p:extLst>
+  </p:cSld>
+  <p:clrMapOvr>
+    <a:masterClrMapping/>
+  </p:clrMapOvr>
+  <p:timing>
+    <p:tnLst>
+      <p:par>
+        <p:cTn xmlns:p14="http://schemas.microsoft.com/office/powerpoint/2010/main" id="1" dur="indefinite" restart="never" nodeType="tmRoot"/>
+      </p:par>
+    </p:tnLst>
+  </p:timing>
+</p:sld>
+</file>
+
+<file path=ppt/slides/slide12.xml><?xml version="1.0" encoding="utf-8"?>
+<p:sld xmlns:a="http://schemas.openxmlformats.org/drawingml/2006/main" xmlns:r="http://schemas.openxmlformats.org/officeDocument/2006/relationships" xmlns:p="http://schemas.openxmlformats.org/presentationml/2006/main">
+  <p:cSld>
+    <p:spTree>
+      <p:nvGrpSpPr>
+        <p:cNvPr id="1" name=""/>
+        <p:cNvGrpSpPr/>
+        <p:nvPr/>
+      </p:nvGrpSpPr>
+      <p:grpSpPr>
+        <a:xfrm>
+          <a:off x="0" y="0"/>
+          <a:ext cx="0" cy="0"/>
+          <a:chOff x="0" y="0"/>
+          <a:chExt cx="0" cy="0"/>
+        </a:xfrm>
+      </p:grpSpPr>
+      <p:sp>
+        <p:nvSpPr>
+          <p:cNvPr id="50" name="TextShape 1"/>
+          <p:cNvSpPr txBox="1"/>
+          <p:nvPr/>
+        </p:nvSpPr>
+        <p:spPr>
+          <a:xfrm>
+            <a:off x="504000" y="302760"/>
+            <a:ext cx="9071640" cy="1259640"/>
+          </a:xfrm>
+          <a:prstGeom prst="rect">
+            <a:avLst/>
+          </a:prstGeom>
+        </p:spPr>
+        <p:txBody>
+          <a:bodyPr anchor="ctr"/>
+          <a:lstStyle/>
+          <a:p>
+            <a:pPr algn="ctr">
+              <a:lnSpc>
+                <a:spcPct val="100000"/>
+              </a:lnSpc>
+            </a:pPr>
+            <a:r>
+              <a:rPr lang="en-US" sz="4400" dirty="0" smtClean="0">
+                <a:solidFill>
+                  <a:srgbClr val="000000"/>
+                </a:solidFill>
+                <a:latin typeface="Calibri"/>
+              </a:rPr>
+              <a:t>Evaluation</a:t>
+            </a:r>
+            <a:endParaRPr dirty="0"/>
+          </a:p>
+        </p:txBody>
+      </p:sp>
+      <p:sp>
+        <p:nvSpPr>
+          <p:cNvPr id="51" name="TextShape 2"/>
+          <p:cNvSpPr txBox="1"/>
+          <p:nvPr/>
+        </p:nvSpPr>
+        <p:spPr>
+          <a:xfrm>
+            <a:off x="504000" y="1764000"/>
+            <a:ext cx="9071640" cy="4988880"/>
+          </a:xfrm>
+          <a:prstGeom prst="rect">
+            <a:avLst/>
+          </a:prstGeom>
+        </p:spPr>
+        <p:txBody>
+          <a:bodyPr/>
+          <a:lstStyle/>
+          <a:p>
+            <a:pPr marL="285750" indent="-285750">
+              <a:lnSpc>
+                <a:spcPct val="100000"/>
+              </a:lnSpc>
+              <a:buFont typeface="Arial"/>
+              <a:buChar char="•"/>
+            </a:pPr>
             <a:endParaRPr sz="3200" dirty="0">
               <a:solidFill>
                 <a:srgbClr val="000000"/>
@@ -2526,6 +3185,586 @@
     <p:extLst>
       <p:ext uri="{BB962C8B-B14F-4D97-AF65-F5344CB8AC3E}">
         <p14:creationId xmlns:p14="http://schemas.microsoft.com/office/powerpoint/2010/main" val="1025278667"/>
+      </p:ext>
+    </p:extLst>
+  </p:cSld>
+  <p:clrMapOvr>
+    <a:masterClrMapping/>
+  </p:clrMapOvr>
+  <p:timing>
+    <p:tnLst>
+      <p:par>
+        <p:cTn xmlns:p14="http://schemas.microsoft.com/office/powerpoint/2010/main" id="1" dur="indefinite" restart="never" nodeType="tmRoot"/>
+      </p:par>
+    </p:tnLst>
+  </p:timing>
+</p:sld>
+</file>
+
+<file path=ppt/slides/slide13.xml><?xml version="1.0" encoding="utf-8"?>
+<p:sld xmlns:a="http://schemas.openxmlformats.org/drawingml/2006/main" xmlns:r="http://schemas.openxmlformats.org/officeDocument/2006/relationships" xmlns:p="http://schemas.openxmlformats.org/presentationml/2006/main">
+  <p:cSld>
+    <p:spTree>
+      <p:nvGrpSpPr>
+        <p:cNvPr id="1" name=""/>
+        <p:cNvGrpSpPr/>
+        <p:nvPr/>
+      </p:nvGrpSpPr>
+      <p:grpSpPr>
+        <a:xfrm>
+          <a:off x="0" y="0"/>
+          <a:ext cx="0" cy="0"/>
+          <a:chOff x="0" y="0"/>
+          <a:chExt cx="0" cy="0"/>
+        </a:xfrm>
+      </p:grpSpPr>
+      <p:sp>
+        <p:nvSpPr>
+          <p:cNvPr id="2" name="Title 1"/>
+          <p:cNvSpPr>
+            <a:spLocks noGrp="1"/>
+          </p:cNvSpPr>
+          <p:nvPr>
+            <p:ph type="title"/>
+          </p:nvPr>
+        </p:nvSpPr>
+        <p:spPr/>
+        <p:txBody>
+          <a:bodyPr/>
+          <a:lstStyle/>
+          <a:p>
+            <a:pPr algn="ctr"/>
+            <a:r>
+              <a:rPr lang="en-US" sz="4400" dirty="0" smtClean="0"/>
+              <a:t>Preliminary Results</a:t>
+            </a:r>
+            <a:endParaRPr lang="en-US" sz="4400" dirty="0"/>
+          </a:p>
+        </p:txBody>
+      </p:sp>
+      <p:graphicFrame>
+        <p:nvGraphicFramePr>
+          <p:cNvPr id="4" name="Table 3"/>
+          <p:cNvGraphicFramePr>
+            <a:graphicFrameLocks noGrp="1"/>
+          </p:cNvGraphicFramePr>
+          <p:nvPr>
+            <p:extLst>
+              <p:ext uri="{D42A27DB-BD31-4B8C-83A1-F6EECF244321}">
+                <p14:modId xmlns:p14="http://schemas.microsoft.com/office/powerpoint/2010/main" val="2877294464"/>
+              </p:ext>
+            </p:extLst>
+          </p:nvPr>
+        </p:nvGraphicFramePr>
+        <p:xfrm>
+          <a:off x="1597789" y="2674458"/>
+          <a:ext cx="6720416" cy="1381760"/>
+        </p:xfrm>
+        <a:graphic>
+          <a:graphicData uri="http://schemas.openxmlformats.org/drawingml/2006/table">
+            <a:tbl>
+              <a:tblPr firstRow="1" bandRow="1">
+                <a:tableStyleId>{2D5ABB26-0587-4C30-8999-92F81FD0307C}</a:tableStyleId>
+              </a:tblPr>
+              <a:tblGrid>
+                <a:gridCol w="1680104"/>
+                <a:gridCol w="1680104"/>
+                <a:gridCol w="1680104"/>
+                <a:gridCol w="1680104"/>
+              </a:tblGrid>
+              <a:tr h="370840">
+                <a:tc>
+                  <a:txBody>
+                    <a:bodyPr/>
+                    <a:lstStyle/>
+                    <a:p>
+                      <a:endParaRPr lang="en-US" dirty="0"/>
+                    </a:p>
+                  </a:txBody>
+                  <a:tcPr/>
+                </a:tc>
+                <a:tc>
+                  <a:txBody>
+                    <a:bodyPr/>
+                    <a:lstStyle/>
+                    <a:p>
+                      <a:r>
+                        <a:rPr lang="en-US" dirty="0" smtClean="0"/>
+                        <a:t>Precision</a:t>
+                      </a:r>
+                      <a:endParaRPr lang="en-US" dirty="0"/>
+                    </a:p>
+                  </a:txBody>
+                  <a:tcPr/>
+                </a:tc>
+                <a:tc>
+                  <a:txBody>
+                    <a:bodyPr/>
+                    <a:lstStyle/>
+                    <a:p>
+                      <a:r>
+                        <a:rPr lang="en-US" dirty="0" smtClean="0"/>
+                        <a:t>Recall</a:t>
+                      </a:r>
+                      <a:endParaRPr lang="en-US" dirty="0"/>
+                    </a:p>
+                  </a:txBody>
+                  <a:tcPr/>
+                </a:tc>
+                <a:tc>
+                  <a:txBody>
+                    <a:bodyPr/>
+                    <a:lstStyle/>
+                    <a:p>
+                      <a:r>
+                        <a:rPr lang="en-US" dirty="0" smtClean="0"/>
+                        <a:t>F1</a:t>
+                      </a:r>
+                      <a:endParaRPr lang="en-US" dirty="0"/>
+                    </a:p>
+                  </a:txBody>
+                  <a:tcPr/>
+                </a:tc>
+              </a:tr>
+              <a:tr h="370840">
+                <a:tc>
+                  <a:txBody>
+                    <a:bodyPr/>
+                    <a:lstStyle/>
+                    <a:p>
+                      <a:r>
+                        <a:rPr lang="en-US" dirty="0" smtClean="0"/>
+                        <a:t>B3</a:t>
+                      </a:r>
+                      <a:endParaRPr lang="en-US" dirty="0"/>
+                    </a:p>
+                  </a:txBody>
+                  <a:tcPr/>
+                </a:tc>
+                <a:tc>
+                  <a:txBody>
+                    <a:bodyPr/>
+                    <a:lstStyle/>
+                    <a:p>
+                      <a:r>
+                        <a:rPr lang="en-US" dirty="0" smtClean="0"/>
+                        <a:t>98.814</a:t>
+                      </a:r>
+                      <a:endParaRPr lang="en-US" dirty="0"/>
+                    </a:p>
+                  </a:txBody>
+                  <a:tcPr/>
+                </a:tc>
+                <a:tc>
+                  <a:txBody>
+                    <a:bodyPr/>
+                    <a:lstStyle/>
+                    <a:p>
+                      <a:r>
+                        <a:rPr lang="en-US" dirty="0" smtClean="0"/>
+                        <a:t>76.673</a:t>
+                      </a:r>
+                      <a:endParaRPr lang="en-US" dirty="0"/>
+                    </a:p>
+                  </a:txBody>
+                  <a:tcPr/>
+                </a:tc>
+                <a:tc>
+                  <a:txBody>
+                    <a:bodyPr/>
+                    <a:lstStyle/>
+                    <a:p>
+                      <a:pPr marL="0" marR="0" indent="0" defTabSz="914400" eaLnBrk="1" fontAlgn="auto" latinLnBrk="0" hangingPunct="1">
+                        <a:lnSpc>
+                          <a:spcPct val="100000"/>
+                        </a:lnSpc>
+                        <a:spcBef>
+                          <a:spcPts val="0"/>
+                        </a:spcBef>
+                        <a:spcAft>
+                          <a:spcPts val="0"/>
+                        </a:spcAft>
+                        <a:buClrTx/>
+                        <a:buSzTx/>
+                        <a:buFontTx/>
+                        <a:buNone/>
+                        <a:tabLst/>
+                        <a:defRPr/>
+                      </a:pPr>
+                      <a:r>
+                        <a:rPr lang="en-US" dirty="0" smtClean="0"/>
+                        <a:t>86.347</a:t>
+                      </a:r>
+                    </a:p>
+                  </a:txBody>
+                  <a:tcPr/>
+                </a:tc>
+              </a:tr>
+              <a:tr h="370840">
+                <a:tc>
+                  <a:txBody>
+                    <a:bodyPr/>
+                    <a:lstStyle/>
+                    <a:p>
+                      <a:r>
+                        <a:rPr lang="en-US" dirty="0" smtClean="0"/>
+                        <a:t>MUC</a:t>
+                      </a:r>
+                      <a:endParaRPr lang="en-US" dirty="0"/>
+                    </a:p>
+                  </a:txBody>
+                  <a:tcPr/>
+                </a:tc>
+                <a:tc>
+                  <a:txBody>
+                    <a:bodyPr/>
+                    <a:lstStyle/>
+                    <a:p>
+                      <a:r>
+                        <a:rPr lang="en-US" dirty="0" smtClean="0"/>
+                        <a:t>98.489</a:t>
+                      </a:r>
+                      <a:endParaRPr lang="en-US" dirty="0"/>
+                    </a:p>
+                  </a:txBody>
+                  <a:tcPr/>
+                </a:tc>
+                <a:tc>
+                  <a:txBody>
+                    <a:bodyPr/>
+                    <a:lstStyle/>
+                    <a:p>
+                      <a:r>
+                        <a:rPr lang="en-US" dirty="0" smtClean="0"/>
+                        <a:t>80.785</a:t>
+                      </a:r>
+                      <a:endParaRPr lang="en-US" dirty="0"/>
+                    </a:p>
+                  </a:txBody>
+                  <a:tcPr/>
+                </a:tc>
+                <a:tc>
+                  <a:txBody>
+                    <a:bodyPr/>
+                    <a:lstStyle/>
+                    <a:p>
+                      <a:pPr marL="0" marR="0" indent="0" defTabSz="914400" eaLnBrk="1" fontAlgn="auto" latinLnBrk="0" hangingPunct="1">
+                        <a:lnSpc>
+                          <a:spcPct val="100000"/>
+                        </a:lnSpc>
+                        <a:spcBef>
+                          <a:spcPts val="0"/>
+                        </a:spcBef>
+                        <a:spcAft>
+                          <a:spcPts val="0"/>
+                        </a:spcAft>
+                        <a:buClrTx/>
+                        <a:buSzTx/>
+                        <a:buFontTx/>
+                        <a:buNone/>
+                        <a:tabLst/>
+                        <a:defRPr/>
+                      </a:pPr>
+                      <a:r>
+                        <a:rPr lang="en-US" dirty="0" smtClean="0"/>
+                        <a:t>88.763</a:t>
+                      </a:r>
+                    </a:p>
+                    <a:p>
+                      <a:endParaRPr lang="en-US" dirty="0"/>
+                    </a:p>
+                  </a:txBody>
+                  <a:tcPr/>
+                </a:tc>
+              </a:tr>
+            </a:tbl>
+          </a:graphicData>
+        </a:graphic>
+      </p:graphicFrame>
+      <p:graphicFrame>
+        <p:nvGraphicFramePr>
+          <p:cNvPr id="6" name="Table 5"/>
+          <p:cNvGraphicFramePr>
+            <a:graphicFrameLocks noGrp="1"/>
+          </p:cNvGraphicFramePr>
+          <p:nvPr>
+            <p:extLst>
+              <p:ext uri="{D42A27DB-BD31-4B8C-83A1-F6EECF244321}">
+                <p14:modId xmlns:p14="http://schemas.microsoft.com/office/powerpoint/2010/main" val="2439983615"/>
+              </p:ext>
+            </p:extLst>
+          </p:nvPr>
+        </p:nvGraphicFramePr>
+        <p:xfrm>
+          <a:off x="1597789" y="4949388"/>
+          <a:ext cx="6720416" cy="1112520"/>
+        </p:xfrm>
+        <a:graphic>
+          <a:graphicData uri="http://schemas.openxmlformats.org/drawingml/2006/table">
+            <a:tbl>
+              <a:tblPr firstRow="1" bandRow="1">
+                <a:tableStyleId>{2D5ABB26-0587-4C30-8999-92F81FD0307C}</a:tableStyleId>
+              </a:tblPr>
+              <a:tblGrid>
+                <a:gridCol w="1680104"/>
+                <a:gridCol w="1680104"/>
+                <a:gridCol w="1680104"/>
+                <a:gridCol w="1680104"/>
+              </a:tblGrid>
+              <a:tr h="370840">
+                <a:tc>
+                  <a:txBody>
+                    <a:bodyPr/>
+                    <a:lstStyle/>
+                    <a:p>
+                      <a:endParaRPr lang="en-US" dirty="0"/>
+                    </a:p>
+                  </a:txBody>
+                  <a:tcPr/>
+                </a:tc>
+                <a:tc>
+                  <a:txBody>
+                    <a:bodyPr/>
+                    <a:lstStyle/>
+                    <a:p>
+                      <a:r>
+                        <a:rPr lang="en-US" dirty="0" smtClean="0"/>
+                        <a:t>Precision</a:t>
+                      </a:r>
+                      <a:endParaRPr lang="en-US" dirty="0"/>
+                    </a:p>
+                  </a:txBody>
+                  <a:tcPr/>
+                </a:tc>
+                <a:tc>
+                  <a:txBody>
+                    <a:bodyPr/>
+                    <a:lstStyle/>
+                    <a:p>
+                      <a:r>
+                        <a:rPr lang="en-US" dirty="0" smtClean="0"/>
+                        <a:t>Recall</a:t>
+                      </a:r>
+                      <a:endParaRPr lang="en-US" dirty="0"/>
+                    </a:p>
+                  </a:txBody>
+                  <a:tcPr/>
+                </a:tc>
+                <a:tc>
+                  <a:txBody>
+                    <a:bodyPr/>
+                    <a:lstStyle/>
+                    <a:p>
+                      <a:r>
+                        <a:rPr lang="en-US" dirty="0" smtClean="0"/>
+                        <a:t>F1</a:t>
+                      </a:r>
+                      <a:endParaRPr lang="en-US" dirty="0"/>
+                    </a:p>
+                  </a:txBody>
+                  <a:tcPr/>
+                </a:tc>
+              </a:tr>
+              <a:tr h="370840">
+                <a:tc>
+                  <a:txBody>
+                    <a:bodyPr/>
+                    <a:lstStyle/>
+                    <a:p>
+                      <a:r>
+                        <a:rPr lang="en-US" dirty="0" smtClean="0"/>
+                        <a:t>B3</a:t>
+                      </a:r>
+                      <a:endParaRPr lang="en-US" dirty="0"/>
+                    </a:p>
+                  </a:txBody>
+                  <a:tcPr/>
+                </a:tc>
+                <a:tc>
+                  <a:txBody>
+                    <a:bodyPr/>
+                    <a:lstStyle/>
+                    <a:p>
+                      <a:r>
+                        <a:rPr lang="en-US" dirty="0" smtClean="0"/>
+                        <a:t>100.000</a:t>
+                      </a:r>
+                      <a:endParaRPr lang="en-US" dirty="0"/>
+                    </a:p>
+                  </a:txBody>
+                  <a:tcPr/>
+                </a:tc>
+                <a:tc>
+                  <a:txBody>
+                    <a:bodyPr/>
+                    <a:lstStyle/>
+                    <a:p>
+                      <a:r>
+                        <a:rPr lang="en-US" dirty="0" smtClean="0"/>
+                        <a:t>69.788 </a:t>
+                      </a:r>
+                      <a:endParaRPr lang="en-US" dirty="0"/>
+                    </a:p>
+                  </a:txBody>
+                  <a:tcPr/>
+                </a:tc>
+                <a:tc>
+                  <a:txBody>
+                    <a:bodyPr/>
+                    <a:lstStyle/>
+                    <a:p>
+                      <a:r>
+                        <a:rPr lang="en-US" dirty="0" smtClean="0"/>
+                        <a:t>82.206</a:t>
+                      </a:r>
+                      <a:endParaRPr lang="en-US" dirty="0"/>
+                    </a:p>
+                  </a:txBody>
+                  <a:tcPr/>
+                </a:tc>
+              </a:tr>
+              <a:tr h="370840">
+                <a:tc>
+                  <a:txBody>
+                    <a:bodyPr/>
+                    <a:lstStyle/>
+                    <a:p>
+                      <a:r>
+                        <a:rPr lang="en-US" dirty="0" smtClean="0"/>
+                        <a:t>MUC</a:t>
+                      </a:r>
+                      <a:endParaRPr lang="en-US" dirty="0"/>
+                    </a:p>
+                  </a:txBody>
+                  <a:tcPr/>
+                </a:tc>
+                <a:tc>
+                  <a:txBody>
+                    <a:bodyPr/>
+                    <a:lstStyle/>
+                    <a:p>
+                      <a:r>
+                        <a:rPr lang="en-US" dirty="0" smtClean="0"/>
+                        <a:t>100.000 </a:t>
+                      </a:r>
+                      <a:endParaRPr lang="en-US" dirty="0"/>
+                    </a:p>
+                  </a:txBody>
+                  <a:tcPr/>
+                </a:tc>
+                <a:tc>
+                  <a:txBody>
+                    <a:bodyPr/>
+                    <a:lstStyle/>
+                    <a:p>
+                      <a:r>
+                        <a:rPr lang="en-US" dirty="0" smtClean="0"/>
+                        <a:t>56.757</a:t>
+                      </a:r>
+                      <a:endParaRPr lang="en-US" dirty="0"/>
+                    </a:p>
+                  </a:txBody>
+                  <a:tcPr/>
+                </a:tc>
+                <a:tc>
+                  <a:txBody>
+                    <a:bodyPr/>
+                    <a:lstStyle/>
+                    <a:p>
+                      <a:pPr marL="0" marR="0" indent="0" defTabSz="914400" eaLnBrk="1" fontAlgn="auto" latinLnBrk="0" hangingPunct="1">
+                        <a:lnSpc>
+                          <a:spcPct val="100000"/>
+                        </a:lnSpc>
+                        <a:spcBef>
+                          <a:spcPts val="0"/>
+                        </a:spcBef>
+                        <a:spcAft>
+                          <a:spcPts val="0"/>
+                        </a:spcAft>
+                        <a:buClrTx/>
+                        <a:buSzTx/>
+                        <a:buFontTx/>
+                        <a:buNone/>
+                        <a:tabLst/>
+                        <a:defRPr/>
+                      </a:pPr>
+                      <a:r>
+                        <a:rPr lang="en-US" dirty="0" smtClean="0"/>
+                        <a:t> 72.414</a:t>
+                      </a:r>
+                    </a:p>
+                  </a:txBody>
+                  <a:tcPr/>
+                </a:tc>
+              </a:tr>
+            </a:tbl>
+          </a:graphicData>
+        </a:graphic>
+      </p:graphicFrame>
+      <p:sp>
+        <p:nvSpPr>
+          <p:cNvPr id="7" name="TextBox 6"/>
+          <p:cNvSpPr txBox="1"/>
+          <p:nvPr/>
+        </p:nvSpPr>
+        <p:spPr>
+          <a:xfrm>
+            <a:off x="1563971" y="2028456"/>
+            <a:ext cx="1468596" cy="523220"/>
+          </a:xfrm>
+          <a:prstGeom prst="rect">
+            <a:avLst/>
+          </a:prstGeom>
+          <a:noFill/>
+        </p:spPr>
+        <p:txBody>
+          <a:bodyPr wrap="none" rtlCol="0">
+            <a:spAutoFit/>
+          </a:bodyPr>
+          <a:lstStyle/>
+          <a:p>
+            <a:r>
+              <a:rPr lang="en-US" sz="2800" dirty="0" smtClean="0"/>
+              <a:t>Training</a:t>
+            </a:r>
+            <a:endParaRPr lang="en-US" sz="2800" dirty="0"/>
+          </a:p>
+        </p:txBody>
+      </p:sp>
+      <p:sp>
+        <p:nvSpPr>
+          <p:cNvPr id="8" name="TextBox 7"/>
+          <p:cNvSpPr txBox="1"/>
+          <p:nvPr/>
+        </p:nvSpPr>
+        <p:spPr>
+          <a:xfrm>
+            <a:off x="1716371" y="4485652"/>
+            <a:ext cx="1322372" cy="523220"/>
+          </a:xfrm>
+          <a:prstGeom prst="rect">
+            <a:avLst/>
+          </a:prstGeom>
+          <a:noFill/>
+        </p:spPr>
+        <p:txBody>
+          <a:bodyPr wrap="none" rtlCol="0">
+            <a:spAutoFit/>
+          </a:bodyPr>
+          <a:lstStyle/>
+          <a:p>
+            <a:r>
+              <a:rPr lang="en-US" sz="2800" dirty="0" smtClean="0"/>
+              <a:t>Testing</a:t>
+            </a:r>
+            <a:endParaRPr lang="en-US" sz="2800" dirty="0"/>
+          </a:p>
+        </p:txBody>
+      </p:sp>
+    </p:spTree>
+    <p:extLst>
+      <p:ext uri="{BB962C8B-B14F-4D97-AF65-F5344CB8AC3E}">
+        <p14:creationId xmlns:p14="http://schemas.microsoft.com/office/powerpoint/2010/main" val="991866825"/>
       </p:ext>
     </p:extLst>
   </p:cSld>
@@ -2680,25 +3919,7 @@
                 </a:solidFill>
                 <a:latin typeface="Calibri"/>
               </a:rPr>
-              <a:t>Find </a:t>
-            </a:r>
-            <a:r>
-              <a:rPr lang="en-US" sz="3200" dirty="0" smtClean="0">
-                <a:solidFill>
-                  <a:srgbClr val="000000"/>
-                </a:solidFill>
-                <a:latin typeface="Calibri"/>
-              </a:rPr>
-              <a:t>the most prolific </a:t>
-            </a:r>
-            <a:r>
-              <a:rPr lang="en-US" sz="3200" dirty="0" smtClean="0">
-                <a:solidFill>
-                  <a:srgbClr val="000000"/>
-                </a:solidFill>
-                <a:latin typeface="Calibri"/>
-              </a:rPr>
-              <a:t>author</a:t>
+              <a:t>Find the most prolific author</a:t>
             </a:r>
           </a:p>
           <a:p>
@@ -2835,7 +4056,7 @@
                 </a:solidFill>
                 <a:latin typeface="Calibri"/>
               </a:rPr>
-              <a:t>David Smith</a:t>
+              <a:t>Related Work</a:t>
             </a:r>
             <a:endParaRPr dirty="0"/>
           </a:p>
@@ -2850,7 +4071,7 @@
         <p:spPr>
           <a:xfrm>
             <a:off x="504000" y="1764000"/>
-            <a:ext cx="9071640" cy="4877074"/>
+            <a:ext cx="9071640" cy="4988880"/>
           </a:xfrm>
           <a:prstGeom prst="rect">
             <a:avLst/>
@@ -2868,69 +4089,663 @@
               <a:buChar char="•"/>
             </a:pPr>
             <a:r>
-              <a:rPr lang="en-US" sz="2400" dirty="0" smtClean="0">
-                <a:solidFill>
-                  <a:srgbClr val="000000"/>
-                </a:solidFill>
-                <a:latin typeface="Calibri"/>
-              </a:rPr>
-              <a:t>David </a:t>
-            </a:r>
-            <a:r>
-              <a:rPr lang="en-US" sz="2400" dirty="0" err="1" smtClean="0">
-                <a:solidFill>
-                  <a:srgbClr val="000000"/>
-                </a:solidFill>
-                <a:latin typeface="Calibri"/>
-              </a:rPr>
-              <a:t>Bamman</a:t>
-            </a:r>
-            <a:r>
-              <a:rPr lang="en-US" sz="2400" dirty="0" smtClean="0">
-                <a:solidFill>
-                  <a:srgbClr val="000000"/>
-                </a:solidFill>
-                <a:latin typeface="Calibri"/>
-              </a:rPr>
-              <a:t>, David Smith: </a:t>
-            </a:r>
-            <a:r>
-              <a:rPr lang="en-US" sz="2400" b="1" dirty="0" smtClean="0">
-                <a:solidFill>
-                  <a:srgbClr val="000000"/>
-                </a:solidFill>
-                <a:latin typeface="Calibri"/>
-              </a:rPr>
-              <a:t>Extracting two thousand years of </a:t>
-            </a:r>
-            <a:r>
-              <a:rPr lang="en-US" sz="2400" b="1" dirty="0" err="1" smtClean="0">
-                <a:solidFill>
-                  <a:srgbClr val="000000"/>
-                </a:solidFill>
-                <a:latin typeface="Calibri"/>
-              </a:rPr>
-              <a:t>latin</a:t>
-            </a:r>
-            <a:r>
-              <a:rPr lang="en-US" sz="2400" b="1" dirty="0" smtClean="0">
-                <a:solidFill>
-                  <a:srgbClr val="000000"/>
-                </a:solidFill>
-                <a:latin typeface="Calibri"/>
-              </a:rPr>
-              <a:t> from a million book library</a:t>
-            </a:r>
-            <a:r>
-              <a:rPr lang="en-US" sz="2400" dirty="0" smtClean="0">
-                <a:solidFill>
-                  <a:srgbClr val="000000"/>
-                </a:solidFill>
-                <a:latin typeface="Calibri"/>
-              </a:rPr>
-              <a:t>. JOCCH 5(1): 2 (2012)</a:t>
-            </a:r>
-          </a:p>
+              <a:rPr lang="en-US" sz="2000" dirty="0">
+                <a:solidFill>
+                  <a:srgbClr val="000000"/>
+                </a:solidFill>
+                <a:latin typeface="Calibri"/>
+              </a:rPr>
+              <a:t>``Multi-Relational Record </a:t>
+            </a:r>
+            <a:r>
+              <a:rPr lang="en-US" sz="2000" dirty="0" smtClean="0">
+                <a:solidFill>
+                  <a:srgbClr val="000000"/>
+                </a:solidFill>
+                <a:latin typeface="Calibri"/>
+              </a:rPr>
+              <a:t>Linkage’</a:t>
+            </a:r>
+            <a:r>
+              <a:rPr lang="en-US" sz="2000" dirty="0" smtClean="0">
+                <a:solidFill>
+                  <a:srgbClr val="000000"/>
+                </a:solidFill>
+                <a:latin typeface="Calibri"/>
+                <a:cs typeface="Calibri"/>
+              </a:rPr>
+              <a:t>’</a:t>
+            </a:r>
+            <a:r>
+              <a:rPr lang="en-US" sz="1600" dirty="0" smtClean="0">
+                <a:solidFill>
+                  <a:srgbClr val="000000"/>
+                </a:solidFill>
+                <a:latin typeface="Calibri"/>
+                <a:cs typeface="Calibri"/>
+              </a:rPr>
+              <a:t> </a:t>
+            </a:r>
+            <a:r>
+              <a:rPr lang="en-US" sz="1600" dirty="0">
+                <a:latin typeface="Calibri"/>
+                <a:cs typeface="Calibri"/>
+              </a:rPr>
+              <a:t>Pedro </a:t>
+            </a:r>
+            <a:r>
+              <a:rPr lang="en-US" sz="1600" dirty="0" err="1">
+                <a:latin typeface="Calibri"/>
+                <a:cs typeface="Calibri"/>
+              </a:rPr>
+              <a:t>Domingos</a:t>
+            </a:r>
+            <a:r>
+              <a:rPr lang="en-US" sz="1600" dirty="0">
+                <a:latin typeface="Calibri"/>
+                <a:cs typeface="Calibri"/>
+              </a:rPr>
+              <a:t> and </a:t>
+            </a:r>
+            <a:r>
+              <a:rPr lang="en-US" sz="1600" dirty="0" err="1">
+                <a:latin typeface="Calibri"/>
+                <a:cs typeface="Calibri"/>
+              </a:rPr>
+              <a:t>Parag</a:t>
+            </a:r>
+            <a:r>
+              <a:rPr lang="en-US" sz="1600" dirty="0">
+                <a:latin typeface="Calibri"/>
+                <a:cs typeface="Calibri"/>
+              </a:rPr>
+              <a:t> </a:t>
+            </a:r>
+            <a:r>
+              <a:rPr lang="en-US" sz="1600" dirty="0" err="1">
+                <a:latin typeface="Calibri"/>
+                <a:cs typeface="Calibri"/>
+              </a:rPr>
+              <a:t>Singla</a:t>
+            </a:r>
+            <a:r>
+              <a:rPr lang="en-US" sz="1600" dirty="0" smtClean="0"/>
+              <a:t>.</a:t>
+            </a:r>
+            <a:r>
+              <a:rPr lang="en-US" sz="1600" dirty="0" smtClean="0">
+                <a:solidFill>
+                  <a:srgbClr val="000000"/>
+                </a:solidFill>
+                <a:latin typeface="Calibri"/>
+              </a:rPr>
+              <a:t> </a:t>
+            </a:r>
+          </a:p>
+          <a:p>
+            <a:pPr lvl="1">
+              <a:buFont typeface="Arial"/>
+              <a:buChar char="•"/>
+            </a:pPr>
+            <a:r>
+              <a:rPr lang="en-US" sz="2000" dirty="0">
+                <a:solidFill>
+                  <a:srgbClr val="000000"/>
+                </a:solidFill>
+                <a:latin typeface="Calibri"/>
+              </a:rPr>
+              <a:t>M</a:t>
+            </a:r>
+            <a:r>
+              <a:rPr lang="en-US" sz="2000" dirty="0" smtClean="0">
+                <a:solidFill>
+                  <a:srgbClr val="000000"/>
+                </a:solidFill>
+                <a:latin typeface="Calibri"/>
+              </a:rPr>
+              <a:t>odeled </a:t>
+            </a:r>
+            <a:r>
+              <a:rPr lang="en-US" sz="2000" dirty="0">
+                <a:solidFill>
+                  <a:srgbClr val="000000"/>
+                </a:solidFill>
+                <a:latin typeface="Calibri"/>
+              </a:rPr>
+              <a:t>the record linking problem as a conditional random field </a:t>
+            </a:r>
+            <a:endParaRPr lang="en-US" sz="2000" dirty="0" smtClean="0">
+              <a:solidFill>
+                <a:srgbClr val="000000"/>
+              </a:solidFill>
+              <a:latin typeface="Calibri"/>
+            </a:endParaRPr>
+          </a:p>
+          <a:p>
+            <a:pPr lvl="1">
+              <a:buFont typeface="Arial"/>
+              <a:buChar char="•"/>
+            </a:pPr>
+            <a:r>
+              <a:rPr lang="en-US" sz="2000" dirty="0">
+                <a:solidFill>
+                  <a:srgbClr val="000000"/>
+                </a:solidFill>
+                <a:latin typeface="Calibri"/>
+              </a:rPr>
+              <a:t>O</a:t>
+            </a:r>
+            <a:r>
+              <a:rPr lang="en-US" sz="2000" dirty="0" smtClean="0">
+                <a:solidFill>
+                  <a:srgbClr val="000000"/>
+                </a:solidFill>
+                <a:latin typeface="Calibri"/>
+              </a:rPr>
+              <a:t>bservations use </a:t>
+            </a:r>
+            <a:r>
+              <a:rPr lang="en-US" sz="2000" dirty="0">
+                <a:solidFill>
+                  <a:srgbClr val="000000"/>
+                </a:solidFill>
+                <a:latin typeface="Calibri"/>
+              </a:rPr>
+              <a:t>similarity functions.  </a:t>
+            </a:r>
+            <a:endParaRPr lang="en-US" sz="2000" dirty="0" smtClean="0">
+              <a:solidFill>
+                <a:srgbClr val="000000"/>
+              </a:solidFill>
+              <a:latin typeface="Calibri"/>
+            </a:endParaRPr>
+          </a:p>
+          <a:p>
+            <a:pPr lvl="1">
+              <a:buFont typeface="Arial"/>
+              <a:buChar char="•"/>
+            </a:pPr>
+            <a:r>
+              <a:rPr lang="en-US" sz="2000" dirty="0" smtClean="0">
+                <a:solidFill>
+                  <a:srgbClr val="000000"/>
+                </a:solidFill>
+                <a:latin typeface="Calibri"/>
+              </a:rPr>
+              <a:t>Gain </a:t>
+            </a:r>
+            <a:r>
+              <a:rPr lang="en-US" sz="2000" dirty="0">
+                <a:solidFill>
+                  <a:srgbClr val="000000"/>
+                </a:solidFill>
+                <a:latin typeface="Calibri"/>
+              </a:rPr>
+              <a:t>of F1 measure of </a:t>
+            </a:r>
+            <a:r>
+              <a:rPr lang="en-US" sz="2000" dirty="0" smtClean="0">
+                <a:solidFill>
+                  <a:srgbClr val="000000"/>
+                </a:solidFill>
+                <a:latin typeface="Calibri"/>
+              </a:rPr>
+              <a:t>6%</a:t>
+            </a:r>
+          </a:p>
+          <a:p>
+            <a:pPr>
+              <a:buFont typeface="Arial"/>
+              <a:buChar char="•"/>
+            </a:pPr>
+            <a:endParaRPr lang="en-US" sz="2000" dirty="0" smtClean="0">
+              <a:solidFill>
+                <a:srgbClr val="000000"/>
+              </a:solidFill>
+              <a:latin typeface="Calibri"/>
+            </a:endParaRPr>
+          </a:p>
+          <a:p>
+            <a:pPr>
+              <a:buFont typeface="Arial"/>
+              <a:buChar char="•"/>
+            </a:pPr>
+            <a:r>
+              <a:rPr lang="en-US" sz="2000" dirty="0" smtClean="0">
+                <a:solidFill>
+                  <a:srgbClr val="000000"/>
+                </a:solidFill>
+                <a:latin typeface="Calibri"/>
+              </a:rPr>
+              <a:t>`</a:t>
+            </a:r>
+            <a:r>
+              <a:rPr lang="en-US" sz="2000" dirty="0">
+                <a:solidFill>
+                  <a:srgbClr val="000000"/>
+                </a:solidFill>
+                <a:latin typeface="Calibri"/>
+              </a:rPr>
+              <a:t>`Linking Temporal Records'' </a:t>
+            </a:r>
+            <a:r>
+              <a:rPr lang="en-US" sz="1600" dirty="0">
+                <a:latin typeface="Calibri"/>
+                <a:cs typeface="Calibri"/>
+              </a:rPr>
+              <a:t>Pei Li </a:t>
+            </a:r>
+            <a:r>
+              <a:rPr lang="en-US" sz="1600" dirty="0" smtClean="0">
+                <a:latin typeface="Calibri"/>
+                <a:cs typeface="Calibri"/>
+              </a:rPr>
+              <a:t> et. Al. </a:t>
+            </a:r>
+            <a:endParaRPr lang="en-US" sz="1600" dirty="0" smtClean="0">
+              <a:solidFill>
+                <a:srgbClr val="000000"/>
+              </a:solidFill>
+              <a:latin typeface="Calibri"/>
+            </a:endParaRPr>
+          </a:p>
+          <a:p>
+            <a:pPr lvl="1">
+              <a:buFont typeface="Arial"/>
+              <a:buChar char="•"/>
+            </a:pPr>
+            <a:r>
+              <a:rPr lang="en-US" sz="2000" dirty="0" smtClean="0">
+                <a:solidFill>
+                  <a:srgbClr val="000000"/>
+                </a:solidFill>
+                <a:latin typeface="Calibri"/>
+              </a:rPr>
+              <a:t>Temporal </a:t>
+            </a:r>
+            <a:r>
+              <a:rPr lang="en-US" sz="2000" dirty="0">
+                <a:solidFill>
+                  <a:srgbClr val="000000"/>
+                </a:solidFill>
+                <a:latin typeface="Calibri"/>
+              </a:rPr>
+              <a:t>information </a:t>
+            </a:r>
+            <a:endParaRPr lang="en-US" sz="2000" dirty="0" smtClean="0">
+              <a:solidFill>
+                <a:srgbClr val="000000"/>
+              </a:solidFill>
+              <a:latin typeface="Calibri"/>
+            </a:endParaRPr>
+          </a:p>
+          <a:p>
+            <a:pPr lvl="1">
+              <a:buFont typeface="Arial"/>
+              <a:buChar char="•"/>
+            </a:pPr>
+            <a:r>
+              <a:rPr lang="en-US" sz="2000" dirty="0" smtClean="0">
+                <a:solidFill>
+                  <a:srgbClr val="000000"/>
+                </a:solidFill>
+                <a:latin typeface="Calibri"/>
+              </a:rPr>
+              <a:t>Example </a:t>
+            </a:r>
+            <a:r>
+              <a:rPr lang="en-US" sz="2000" dirty="0">
+                <a:solidFill>
+                  <a:srgbClr val="000000"/>
+                </a:solidFill>
+                <a:latin typeface="Calibri"/>
+              </a:rPr>
+              <a:t>of such a case is affiliation information in the task of author linking in papers</a:t>
+            </a:r>
+            <a:r>
+              <a:rPr lang="en-US" sz="2000" dirty="0" smtClean="0">
+                <a:solidFill>
+                  <a:srgbClr val="000000"/>
+                </a:solidFill>
+                <a:latin typeface="Calibri"/>
+              </a:rPr>
+              <a:t>.</a:t>
+            </a:r>
+          </a:p>
+          <a:p>
+            <a:pPr lvl="1">
+              <a:buFont typeface="Arial"/>
+              <a:buChar char="•"/>
+            </a:pPr>
+            <a:endParaRPr lang="en-US" sz="2000" dirty="0">
+              <a:solidFill>
+                <a:srgbClr val="000000"/>
+              </a:solidFill>
+              <a:latin typeface="Calibri"/>
+              <a:cs typeface="Calibri"/>
+            </a:endParaRPr>
+          </a:p>
+          <a:p>
+            <a:pPr>
+              <a:buFont typeface="Arial"/>
+              <a:buChar char="•"/>
+            </a:pPr>
+            <a:r>
+              <a:rPr lang="en-US" sz="2000" dirty="0" smtClean="0">
+                <a:solidFill>
+                  <a:srgbClr val="000000"/>
+                </a:solidFill>
+                <a:latin typeface="Calibri"/>
+                <a:cs typeface="Calibri"/>
+              </a:rPr>
+              <a:t>`</a:t>
+            </a:r>
+            <a:r>
+              <a:rPr lang="en-US" sz="2000" dirty="0">
+                <a:solidFill>
+                  <a:srgbClr val="000000"/>
+                </a:solidFill>
+                <a:latin typeface="Calibri"/>
+                <a:cs typeface="Calibri"/>
+              </a:rPr>
+              <a:t>`A Comparison of String Metrics for Matching Names and </a:t>
+            </a:r>
+            <a:r>
+              <a:rPr lang="en-US" sz="2000" dirty="0" smtClean="0">
+                <a:solidFill>
+                  <a:srgbClr val="000000"/>
+                </a:solidFill>
+                <a:latin typeface="Calibri"/>
+                <a:cs typeface="Calibri"/>
+              </a:rPr>
+              <a:t>Records’’</a:t>
+            </a:r>
+            <a:r>
+              <a:rPr lang="de-DE" sz="2000" dirty="0" smtClean="0">
+                <a:latin typeface="Calibri"/>
+                <a:cs typeface="Calibri"/>
+              </a:rPr>
+              <a:t> </a:t>
+            </a:r>
+            <a:r>
+              <a:rPr lang="de-DE" sz="2000" dirty="0">
+                <a:latin typeface="Calibri"/>
+                <a:cs typeface="Calibri"/>
+              </a:rPr>
+              <a:t> </a:t>
+            </a:r>
+            <a:r>
+              <a:rPr lang="de-DE" sz="1600" dirty="0" smtClean="0">
+                <a:latin typeface="Calibri"/>
+                <a:cs typeface="Calibri"/>
+              </a:rPr>
+              <a:t>W.W</a:t>
+            </a:r>
+            <a:r>
+              <a:rPr lang="de-DE" sz="1600" dirty="0">
+                <a:latin typeface="Calibri"/>
+                <a:cs typeface="Calibri"/>
+              </a:rPr>
+              <a:t>. </a:t>
+            </a:r>
+            <a:r>
+              <a:rPr lang="de-DE" sz="1600" dirty="0" smtClean="0">
+                <a:latin typeface="Calibri"/>
+                <a:cs typeface="Calibri"/>
+              </a:rPr>
+              <a:t>Cohen</a:t>
+            </a:r>
+            <a:r>
+              <a:rPr lang="de-DE" sz="1600" dirty="0">
+                <a:latin typeface="Calibri"/>
+                <a:cs typeface="Calibri"/>
+              </a:rPr>
+              <a:t> </a:t>
+            </a:r>
+            <a:r>
+              <a:rPr lang="de-DE" sz="1600" dirty="0" smtClean="0">
+                <a:latin typeface="Calibri"/>
+                <a:cs typeface="Calibri"/>
+              </a:rPr>
+              <a:t>et. Al.</a:t>
+            </a:r>
+            <a:endParaRPr lang="en-US" sz="1600" dirty="0" smtClean="0">
+              <a:solidFill>
+                <a:srgbClr val="000000"/>
+              </a:solidFill>
+              <a:latin typeface="Calibri"/>
+              <a:cs typeface="Calibri"/>
+            </a:endParaRPr>
+          </a:p>
+          <a:p>
+            <a:pPr lvl="1">
+              <a:buFont typeface="Arial"/>
+              <a:buChar char="•"/>
+            </a:pPr>
+            <a:r>
+              <a:rPr lang="en-US" sz="2000" dirty="0" smtClean="0">
+                <a:solidFill>
+                  <a:srgbClr val="000000"/>
+                </a:solidFill>
+                <a:latin typeface="Calibri"/>
+              </a:rPr>
+              <a:t>Using string </a:t>
+            </a:r>
+            <a:r>
+              <a:rPr lang="en-US" sz="2000" dirty="0">
+                <a:solidFill>
+                  <a:srgbClr val="000000"/>
+                </a:solidFill>
+                <a:latin typeface="Calibri"/>
+              </a:rPr>
+              <a:t>distance </a:t>
+            </a:r>
+            <a:r>
+              <a:rPr lang="en-US" sz="2000" dirty="0" smtClean="0">
+                <a:solidFill>
+                  <a:srgbClr val="000000"/>
+                </a:solidFill>
+                <a:latin typeface="Calibri"/>
+              </a:rPr>
+              <a:t>functions. </a:t>
+            </a:r>
+          </a:p>
+          <a:p>
+            <a:pPr lvl="1">
+              <a:buFont typeface="Arial"/>
+              <a:buChar char="•"/>
+            </a:pPr>
+            <a:r>
+              <a:rPr lang="en-US" sz="2000" dirty="0" smtClean="0">
+                <a:solidFill>
+                  <a:srgbClr val="000000"/>
+                </a:solidFill>
+                <a:latin typeface="Calibri"/>
+              </a:rPr>
+              <a:t>Distance functions: edit</a:t>
+            </a:r>
+            <a:r>
+              <a:rPr lang="en-US" sz="2000" dirty="0">
+                <a:solidFill>
+                  <a:srgbClr val="000000"/>
+                </a:solidFill>
+                <a:latin typeface="Calibri"/>
+              </a:rPr>
+              <a:t>-distance, token based methods, and hybrid </a:t>
+            </a:r>
+            <a:r>
+              <a:rPr lang="en-US" sz="2000" dirty="0" smtClean="0">
+                <a:solidFill>
+                  <a:srgbClr val="000000"/>
+                </a:solidFill>
+                <a:latin typeface="Calibri"/>
+              </a:rPr>
+              <a:t>methods.</a:t>
+            </a:r>
+          </a:p>
+          <a:p>
+            <a:pPr lvl="1">
+              <a:buFont typeface="Arial"/>
+              <a:buChar char="•"/>
+            </a:pPr>
+            <a:r>
+              <a:rPr lang="en-US" sz="2000" dirty="0" err="1" smtClean="0">
+                <a:solidFill>
+                  <a:srgbClr val="000000"/>
+                </a:solidFill>
+                <a:latin typeface="Calibri"/>
+              </a:rPr>
+              <a:t>SoftTFIDF</a:t>
+            </a:r>
+            <a:r>
+              <a:rPr lang="en-US" sz="2000" dirty="0" smtClean="0">
+                <a:solidFill>
+                  <a:srgbClr val="000000"/>
+                </a:solidFill>
+                <a:latin typeface="Calibri"/>
+              </a:rPr>
+              <a:t> </a:t>
+            </a:r>
+            <a:r>
+              <a:rPr lang="en-US" sz="2000" dirty="0">
+                <a:solidFill>
+                  <a:srgbClr val="000000"/>
+                </a:solidFill>
+                <a:latin typeface="Calibri"/>
+              </a:rPr>
+              <a:t>is a </a:t>
+            </a:r>
+            <a:r>
+              <a:rPr lang="en-US" sz="2000" dirty="0" smtClean="0">
+                <a:solidFill>
+                  <a:srgbClr val="000000"/>
+                </a:solidFill>
+                <a:latin typeface="Calibri"/>
+              </a:rPr>
+              <a:t>hybrid. Highest performing.</a:t>
+            </a:r>
+            <a:endParaRPr lang="en-US" sz="2000" dirty="0">
+              <a:solidFill>
+                <a:srgbClr val="000000"/>
+              </a:solidFill>
+              <a:latin typeface="Calibri"/>
+            </a:endParaRPr>
+          </a:p>
+          <a:p>
+            <a:pPr>
+              <a:buFont typeface="Arial"/>
+              <a:buChar char="•"/>
+            </a:pPr>
+            <a:endParaRPr lang="en-US" sz="2000" dirty="0" smtClean="0">
+              <a:solidFill>
+                <a:srgbClr val="000000"/>
+              </a:solidFill>
+              <a:latin typeface="Calibri"/>
+            </a:endParaRPr>
+          </a:p>
+          <a:p>
+            <a:pPr lvl="1"/>
+            <a:endParaRPr lang="en-US" sz="2000" dirty="0" smtClean="0">
+              <a:solidFill>
+                <a:srgbClr val="000000"/>
+              </a:solidFill>
+              <a:latin typeface="Calibri"/>
+            </a:endParaRPr>
+          </a:p>
+        </p:txBody>
+      </p:sp>
+    </p:spTree>
+    <p:extLst>
+      <p:ext uri="{BB962C8B-B14F-4D97-AF65-F5344CB8AC3E}">
+        <p14:creationId xmlns:p14="http://schemas.microsoft.com/office/powerpoint/2010/main" val="2183741544"/>
+      </p:ext>
+    </p:extLst>
+  </p:cSld>
+  <p:clrMapOvr>
+    <a:masterClrMapping/>
+  </p:clrMapOvr>
+  <p:timing>
+    <p:tnLst>
+      <p:par>
+        <p:cTn xmlns:p14="http://schemas.microsoft.com/office/powerpoint/2010/main" id="1" dur="indefinite" restart="never" nodeType="tmRoot"/>
+      </p:par>
+    </p:tnLst>
+  </p:timing>
+</p:sld>
+</file>
+
+<file path=ppt/slides/slide4.xml><?xml version="1.0" encoding="utf-8"?>
+<p:sld xmlns:a="http://schemas.openxmlformats.org/drawingml/2006/main" xmlns:r="http://schemas.openxmlformats.org/officeDocument/2006/relationships" xmlns:p="http://schemas.openxmlformats.org/presentationml/2006/main">
+  <p:cSld>
+    <p:spTree>
+      <p:nvGrpSpPr>
+        <p:cNvPr id="1" name=""/>
+        <p:cNvGrpSpPr/>
+        <p:nvPr/>
+      </p:nvGrpSpPr>
+      <p:grpSpPr>
+        <a:xfrm>
+          <a:off x="0" y="0"/>
+          <a:ext cx="0" cy="0"/>
+          <a:chOff x="0" y="0"/>
+          <a:chExt cx="0" cy="0"/>
+        </a:xfrm>
+      </p:grpSpPr>
+      <p:sp>
+        <p:nvSpPr>
+          <p:cNvPr id="39" name="TextShape 1"/>
+          <p:cNvSpPr txBox="1"/>
+          <p:nvPr/>
+        </p:nvSpPr>
+        <p:spPr>
+          <a:xfrm>
+            <a:off x="504000" y="302760"/>
+            <a:ext cx="9071640" cy="1259640"/>
+          </a:xfrm>
+          <a:prstGeom prst="rect">
+            <a:avLst/>
+          </a:prstGeom>
+        </p:spPr>
+        <p:txBody>
+          <a:bodyPr anchor="ctr"/>
+          <a:lstStyle/>
+          <a:p>
+            <a:pPr algn="ctr">
+              <a:lnSpc>
+                <a:spcPct val="100000"/>
+              </a:lnSpc>
+            </a:pPr>
+            <a:r>
+              <a:rPr lang="en-US" sz="4400" dirty="0" smtClean="0">
+                <a:solidFill>
+                  <a:srgbClr val="000000"/>
+                </a:solidFill>
+                <a:latin typeface="Calibri"/>
+              </a:rPr>
+              <a:t>David Smith</a:t>
+            </a:r>
+            <a:endParaRPr dirty="0"/>
+          </a:p>
+        </p:txBody>
+      </p:sp>
+      <p:sp>
+        <p:nvSpPr>
+          <p:cNvPr id="40" name="TextShape 2"/>
+          <p:cNvSpPr txBox="1"/>
+          <p:nvPr/>
+        </p:nvSpPr>
+        <p:spPr>
+          <a:xfrm>
+            <a:off x="504000" y="1534680"/>
+            <a:ext cx="9071640" cy="5303260"/>
+          </a:xfrm>
+          <a:prstGeom prst="rect">
+            <a:avLst/>
+          </a:prstGeom>
+        </p:spPr>
+        <p:txBody>
+          <a:bodyPr/>
+          <a:lstStyle/>
           <a:p>
             <a:pPr>
               <a:lnSpc>
@@ -2940,58 +4755,31 @@
               <a:buChar char="•"/>
             </a:pPr>
             <a:r>
-              <a:rPr lang="en-US" sz="2400" dirty="0" err="1">
-                <a:solidFill>
-                  <a:srgbClr val="000000"/>
-                </a:solidFill>
-                <a:latin typeface="Calibri"/>
-              </a:rPr>
-              <a:t>Amer</a:t>
-            </a:r>
-            <a:r>
-              <a:rPr lang="en-US" sz="2400" dirty="0">
-                <a:solidFill>
-                  <a:srgbClr val="000000"/>
-                </a:solidFill>
-                <a:latin typeface="Calibri"/>
-              </a:rPr>
-              <a:t> Khan, David Smith, </a:t>
-            </a:r>
-            <a:r>
-              <a:rPr lang="en-US" sz="2400" dirty="0" err="1">
-                <a:solidFill>
-                  <a:srgbClr val="000000"/>
-                </a:solidFill>
-                <a:latin typeface="Calibri"/>
-              </a:rPr>
-              <a:t>Sayed</a:t>
-            </a:r>
-            <a:r>
-              <a:rPr lang="en-US" sz="2400" dirty="0">
-                <a:solidFill>
-                  <a:srgbClr val="000000"/>
-                </a:solidFill>
-                <a:latin typeface="Calibri"/>
-              </a:rPr>
-              <a:t> Hussein, Hermann </a:t>
-            </a:r>
-            <a:r>
-              <a:rPr lang="en-US" sz="2400" dirty="0" err="1">
-                <a:solidFill>
-                  <a:srgbClr val="000000"/>
-                </a:solidFill>
-                <a:latin typeface="Calibri"/>
-              </a:rPr>
-              <a:t>Helgert</a:t>
-            </a:r>
-            <a:r>
-              <a:rPr lang="en-US" sz="2400" dirty="0">
-                <a:solidFill>
-                  <a:srgbClr val="000000"/>
-                </a:solidFill>
-                <a:latin typeface="Calibri"/>
-              </a:rPr>
-              <a:t>: </a:t>
+              <a:rPr lang="en-US" sz="2400" dirty="0" smtClean="0">
+                <a:solidFill>
+                  <a:srgbClr val="000000"/>
+                </a:solidFill>
+                <a:latin typeface="Calibri"/>
+              </a:rPr>
+              <a:t>David </a:t>
+            </a:r>
+            <a:r>
+              <a:rPr lang="en-US" sz="2400" dirty="0" err="1" smtClean="0">
+                <a:solidFill>
+                  <a:srgbClr val="000000"/>
+                </a:solidFill>
+                <a:latin typeface="Calibri"/>
+              </a:rPr>
+              <a:t>Bamman</a:t>
+            </a:r>
+            <a:r>
+              <a:rPr lang="en-US" sz="2400" dirty="0" smtClean="0">
+                <a:solidFill>
+                  <a:srgbClr val="000000"/>
+                </a:solidFill>
+                <a:latin typeface="Calibri"/>
+              </a:rPr>
+              <a:t>, David Smith: </a:t>
             </a:r>
             <a:r>
               <a:rPr lang="en-US" sz="2400" b="1" dirty="0" smtClean="0">
@@ -3000,25 +4788,34 @@
                 </a:solidFill>
                 <a:latin typeface="Calibri"/>
               </a:rPr>
-              <a:t>Performance </a:t>
-            </a:r>
-            <a:r>
-              <a:rPr lang="en-US" sz="2400" b="1" dirty="0">
-                <a:solidFill>
-                  <a:srgbClr val="000000"/>
-                </a:solidFill>
-                <a:latin typeface="Calibri"/>
-              </a:rPr>
-              <a:t>analysis of VoIP codecs over multi-rate EDCA</a:t>
-            </a:r>
-            <a:r>
-              <a:rPr lang="en-US" sz="2400" dirty="0">
-                <a:solidFill>
-                  <a:srgbClr val="000000"/>
-                </a:solidFill>
-                <a:latin typeface="Calibri"/>
-              </a:rPr>
-              <a:t>. CCNC 2012: 110-115</a:t>
+              <a:t>Extracting two thousand years of </a:t>
+            </a:r>
+            <a:r>
+              <a:rPr lang="en-US" sz="2400" b="1" dirty="0" err="1" smtClean="0">
+                <a:solidFill>
+                  <a:srgbClr val="000000"/>
+                </a:solidFill>
+                <a:latin typeface="Calibri"/>
+              </a:rPr>
+              <a:t>latin</a:t>
+            </a:r>
+            <a:r>
+              <a:rPr lang="en-US" sz="2400" b="1" dirty="0" smtClean="0">
+                <a:solidFill>
+                  <a:srgbClr val="000000"/>
+                </a:solidFill>
+                <a:latin typeface="Calibri"/>
+              </a:rPr>
+              <a:t> from a million book library</a:t>
+            </a:r>
+            <a:r>
+              <a:rPr lang="en-US" sz="2400" dirty="0" smtClean="0">
+                <a:solidFill>
+                  <a:srgbClr val="000000"/>
+                </a:solidFill>
+                <a:latin typeface="Calibri"/>
+              </a:rPr>
+              <a:t>. JOCCH 5(1): 2 (2012)</a:t>
             </a:r>
           </a:p>
           <a:p>
@@ -3029,105 +4826,12 @@
               <a:buFont typeface="Arial"/>
               <a:buChar char="•"/>
             </a:pPr>
-            <a:r>
-              <a:rPr lang="en-US" sz="2400" dirty="0">
-                <a:solidFill>
-                  <a:srgbClr val="000000"/>
-                </a:solidFill>
-                <a:latin typeface="Calibri"/>
-              </a:rPr>
-              <a:t>Freeborn </a:t>
-            </a:r>
-            <a:r>
-              <a:rPr lang="en-US" sz="2400" dirty="0" err="1">
-                <a:solidFill>
-                  <a:srgbClr val="000000"/>
-                </a:solidFill>
-                <a:latin typeface="Calibri"/>
-              </a:rPr>
-              <a:t>Bobor-Oyibo</a:t>
-            </a:r>
-            <a:r>
-              <a:rPr lang="en-US" sz="2400" dirty="0">
-                <a:solidFill>
-                  <a:srgbClr val="000000"/>
-                </a:solidFill>
-                <a:latin typeface="Calibri"/>
-              </a:rPr>
-              <a:t>, Stephen J. </a:t>
-            </a:r>
-            <a:r>
-              <a:rPr lang="en-US" sz="2400" dirty="0" err="1">
-                <a:solidFill>
-                  <a:srgbClr val="000000"/>
-                </a:solidFill>
-                <a:latin typeface="Calibri"/>
-              </a:rPr>
-              <a:t>Foti</a:t>
-            </a:r>
-            <a:r>
-              <a:rPr lang="en-US" sz="2400" dirty="0">
-                <a:solidFill>
-                  <a:srgbClr val="000000"/>
-                </a:solidFill>
-                <a:latin typeface="Calibri"/>
-              </a:rPr>
-              <a:t>, David Smith, O. </a:t>
-            </a:r>
-            <a:r>
-              <a:rPr lang="en-US" sz="2400" dirty="0" err="1">
-                <a:solidFill>
-                  <a:srgbClr val="000000"/>
-                </a:solidFill>
-                <a:latin typeface="Calibri"/>
-              </a:rPr>
-              <a:t>Yurduseven</a:t>
-            </a:r>
-            <a:r>
-              <a:rPr lang="en-US" sz="2400" dirty="0">
-                <a:solidFill>
-                  <a:srgbClr val="000000"/>
-                </a:solidFill>
-                <a:latin typeface="Calibri"/>
-              </a:rPr>
-              <a:t>: </a:t>
-            </a:r>
-            <a:r>
-              <a:rPr lang="en-US" sz="2400" b="1" dirty="0" err="1">
-                <a:solidFill>
-                  <a:srgbClr val="000000"/>
-                </a:solidFill>
-                <a:latin typeface="Calibri"/>
-              </a:rPr>
-              <a:t>Modelling</a:t>
-            </a:r>
-            <a:r>
-              <a:rPr lang="en-US" sz="2400" b="1" dirty="0">
-                <a:solidFill>
-                  <a:srgbClr val="000000"/>
-                </a:solidFill>
-                <a:latin typeface="Calibri"/>
-              </a:rPr>
-              <a:t> and analysis of a smart antenna system with sub-sector dynamic capacity enhancement for mobile telecommunication networks</a:t>
-            </a:r>
-            <a:r>
-              <a:rPr lang="en-US" sz="2400" dirty="0">
-                <a:solidFill>
-                  <a:srgbClr val="000000"/>
-                </a:solidFill>
-                <a:latin typeface="Calibri"/>
-              </a:rPr>
-              <a:t>. CSNDSP 2012: 1-</a:t>
-            </a:r>
-            <a:r>
-              <a:rPr lang="en-US" sz="2400" dirty="0" smtClean="0">
-                <a:solidFill>
-                  <a:srgbClr val="000000"/>
-                </a:solidFill>
-                <a:latin typeface="Calibri"/>
-              </a:rPr>
-              <a:t>4</a:t>
-            </a:r>
+            <a:endParaRPr lang="en-US" sz="2400" dirty="0" smtClean="0">
+              <a:solidFill>
+                <a:srgbClr val="000000"/>
+              </a:solidFill>
+              <a:latin typeface="Calibri"/>
+            </a:endParaRPr>
           </a:p>
           <a:p>
             <a:pPr>
@@ -3138,13 +4842,259 @@
               <a:buChar char="•"/>
             </a:pPr>
             <a:r>
+              <a:rPr lang="en-US" sz="2400" dirty="0" err="1" smtClean="0">
+                <a:solidFill>
+                  <a:srgbClr val="000000"/>
+                </a:solidFill>
+                <a:latin typeface="Calibri"/>
+              </a:rPr>
+              <a:t>Amer</a:t>
+            </a:r>
+            <a:r>
               <a:rPr lang="en-US" sz="2400" dirty="0" smtClean="0">
                 <a:solidFill>
                   <a:srgbClr val="000000"/>
                 </a:solidFill>
                 <a:latin typeface="Calibri"/>
               </a:rPr>
-              <a:t>37 publications</a:t>
+              <a:t> </a:t>
+            </a:r>
+            <a:r>
+              <a:rPr lang="en-US" sz="2400" dirty="0">
+                <a:solidFill>
+                  <a:srgbClr val="000000"/>
+                </a:solidFill>
+                <a:latin typeface="Calibri"/>
+              </a:rPr>
+              <a:t>Khan, David Smith, </a:t>
+            </a:r>
+            <a:r>
+              <a:rPr lang="en-US" sz="2400" dirty="0" err="1">
+                <a:solidFill>
+                  <a:srgbClr val="000000"/>
+                </a:solidFill>
+                <a:latin typeface="Calibri"/>
+              </a:rPr>
+              <a:t>Sayed</a:t>
+            </a:r>
+            <a:r>
+              <a:rPr lang="en-US" sz="2400" dirty="0">
+                <a:solidFill>
+                  <a:srgbClr val="000000"/>
+                </a:solidFill>
+                <a:latin typeface="Calibri"/>
+              </a:rPr>
+              <a:t> Hussein, Hermann </a:t>
+            </a:r>
+            <a:r>
+              <a:rPr lang="en-US" sz="2400" dirty="0" err="1">
+                <a:solidFill>
+                  <a:srgbClr val="000000"/>
+                </a:solidFill>
+                <a:latin typeface="Calibri"/>
+              </a:rPr>
+              <a:t>Helgert</a:t>
+            </a:r>
+            <a:r>
+              <a:rPr lang="en-US" sz="2400" dirty="0">
+                <a:solidFill>
+                  <a:srgbClr val="000000"/>
+                </a:solidFill>
+                <a:latin typeface="Calibri"/>
+              </a:rPr>
+              <a:t>: </a:t>
+            </a:r>
+            <a:r>
+              <a:rPr lang="en-US" sz="2400" b="1" dirty="0" smtClean="0">
+                <a:solidFill>
+                  <a:srgbClr val="000000"/>
+                </a:solidFill>
+                <a:latin typeface="Calibri"/>
+              </a:rPr>
+              <a:t>Performance </a:t>
+            </a:r>
+            <a:r>
+              <a:rPr lang="en-US" sz="2400" b="1" dirty="0">
+                <a:solidFill>
+                  <a:srgbClr val="000000"/>
+                </a:solidFill>
+                <a:latin typeface="Calibri"/>
+              </a:rPr>
+              <a:t>analysis of VoIP codecs over multi-rate EDCA</a:t>
+            </a:r>
+            <a:r>
+              <a:rPr lang="en-US" sz="2400" dirty="0">
+                <a:solidFill>
+                  <a:srgbClr val="000000"/>
+                </a:solidFill>
+                <a:latin typeface="Calibri"/>
+              </a:rPr>
+              <a:t>. CCNC 2012: 110-115</a:t>
+            </a:r>
+          </a:p>
+          <a:p>
+            <a:pPr>
+              <a:lnSpc>
+                <a:spcPct val="100000"/>
+              </a:lnSpc>
+              <a:buFont typeface="Arial"/>
+              <a:buChar char="•"/>
+            </a:pPr>
+            <a:endParaRPr lang="en-US" sz="2400" dirty="0" smtClean="0">
+              <a:solidFill>
+                <a:srgbClr val="000000"/>
+              </a:solidFill>
+              <a:latin typeface="Calibri"/>
+            </a:endParaRPr>
+          </a:p>
+          <a:p>
+            <a:pPr>
+              <a:lnSpc>
+                <a:spcPct val="100000"/>
+              </a:lnSpc>
+              <a:buFont typeface="Arial"/>
+              <a:buChar char="•"/>
+            </a:pPr>
+            <a:r>
+              <a:rPr lang="en-US" sz="2400" dirty="0" smtClean="0">
+                <a:solidFill>
+                  <a:srgbClr val="000000"/>
+                </a:solidFill>
+                <a:latin typeface="Calibri"/>
+              </a:rPr>
+              <a:t>Freeborn </a:t>
+            </a:r>
+            <a:r>
+              <a:rPr lang="en-US" sz="2400" dirty="0" err="1">
+                <a:solidFill>
+                  <a:srgbClr val="000000"/>
+                </a:solidFill>
+                <a:latin typeface="Calibri"/>
+              </a:rPr>
+              <a:t>Bobor-Oyibo</a:t>
+            </a:r>
+            <a:r>
+              <a:rPr lang="en-US" sz="2400" dirty="0">
+                <a:solidFill>
+                  <a:srgbClr val="000000"/>
+                </a:solidFill>
+                <a:latin typeface="Calibri"/>
+              </a:rPr>
+              <a:t>, Stephen J. </a:t>
+            </a:r>
+            <a:r>
+              <a:rPr lang="en-US" sz="2400" dirty="0" err="1">
+                <a:solidFill>
+                  <a:srgbClr val="000000"/>
+                </a:solidFill>
+                <a:latin typeface="Calibri"/>
+              </a:rPr>
+              <a:t>Foti</a:t>
+            </a:r>
+            <a:r>
+              <a:rPr lang="en-US" sz="2400" dirty="0">
+                <a:solidFill>
+                  <a:srgbClr val="000000"/>
+                </a:solidFill>
+                <a:latin typeface="Calibri"/>
+              </a:rPr>
+              <a:t>, David Smith, O. </a:t>
+            </a:r>
+            <a:r>
+              <a:rPr lang="en-US" sz="2400" dirty="0" err="1">
+                <a:solidFill>
+                  <a:srgbClr val="000000"/>
+                </a:solidFill>
+                <a:latin typeface="Calibri"/>
+              </a:rPr>
+              <a:t>Yurduseven</a:t>
+            </a:r>
+            <a:r>
+              <a:rPr lang="en-US" sz="2400" dirty="0">
+                <a:solidFill>
+                  <a:srgbClr val="000000"/>
+                </a:solidFill>
+                <a:latin typeface="Calibri"/>
+              </a:rPr>
+              <a:t>: </a:t>
+            </a:r>
+            <a:r>
+              <a:rPr lang="en-US" sz="2400" b="1" dirty="0" err="1">
+                <a:solidFill>
+                  <a:srgbClr val="000000"/>
+                </a:solidFill>
+                <a:latin typeface="Calibri"/>
+              </a:rPr>
+              <a:t>Modelling</a:t>
+            </a:r>
+            <a:r>
+              <a:rPr lang="en-US" sz="2400" b="1" dirty="0">
+                <a:solidFill>
+                  <a:srgbClr val="000000"/>
+                </a:solidFill>
+                <a:latin typeface="Calibri"/>
+              </a:rPr>
+              <a:t> and analysis of a smart antenna system with sub-sector dynamic capacity enhancement for mobile telecommunication networks</a:t>
+            </a:r>
+            <a:r>
+              <a:rPr lang="en-US" sz="2400" dirty="0">
+                <a:solidFill>
+                  <a:srgbClr val="000000"/>
+                </a:solidFill>
+                <a:latin typeface="Calibri"/>
+              </a:rPr>
+              <a:t>. CSNDSP 2012: 1-</a:t>
+            </a:r>
+            <a:r>
+              <a:rPr lang="en-US" sz="2400" dirty="0" smtClean="0">
+                <a:solidFill>
+                  <a:srgbClr val="000000"/>
+                </a:solidFill>
+                <a:latin typeface="Calibri"/>
+              </a:rPr>
+              <a:t>4</a:t>
+            </a:r>
+          </a:p>
+          <a:p>
+            <a:pPr>
+              <a:lnSpc>
+                <a:spcPct val="100000"/>
+              </a:lnSpc>
+              <a:buFont typeface="Arial"/>
+              <a:buChar char="•"/>
+            </a:pPr>
+            <a:endParaRPr lang="en-US" sz="2400" dirty="0" smtClean="0">
+              <a:solidFill>
+                <a:srgbClr val="000000"/>
+              </a:solidFill>
+              <a:latin typeface="Calibri"/>
+            </a:endParaRPr>
+          </a:p>
+          <a:p>
+            <a:pPr>
+              <a:lnSpc>
+                <a:spcPct val="100000"/>
+              </a:lnSpc>
+              <a:buFont typeface="Arial"/>
+              <a:buChar char="•"/>
+            </a:pPr>
+            <a:r>
+              <a:rPr lang="en-US" sz="2400" dirty="0" smtClean="0">
+                <a:solidFill>
+                  <a:srgbClr val="000000"/>
+                </a:solidFill>
+                <a:latin typeface="Calibri"/>
+              </a:rPr>
+              <a:t>37 </a:t>
+            </a:r>
+            <a:r>
+              <a:rPr lang="en-US" sz="2400" dirty="0" smtClean="0">
+                <a:solidFill>
+                  <a:srgbClr val="000000"/>
+                </a:solidFill>
+                <a:latin typeface="Calibri"/>
+              </a:rPr>
+              <a:t>publications</a:t>
             </a:r>
           </a:p>
           <a:p>
@@ -3241,7 +5191,7 @@
                                         <p:tgtEl>
                                           <p:spTgt spid="40">
                                             <p:txEl>
-                                              <p:pRg st="3" end="3"/>
+                                              <p:pRg st="6" end="6"/>
                                             </p:txEl>
                                           </p:spTgt>
                                         </p:tgtEl>
@@ -3272,7 +5222,7 @@
                                         <p:tgtEl>
                                           <p:spTgt spid="40">
                                             <p:txEl>
-                                              <p:pRg st="4" end="4"/>
+                                              <p:pRg st="7" end="7"/>
                                             </p:txEl>
                                           </p:spTgt>
                                         </p:tgtEl>
@@ -3303,7 +5253,7 @@
                                         <p:tgtEl>
                                           <p:spTgt spid="40">
                                             <p:txEl>
-                                              <p:pRg st="5" end="5"/>
+                                              <p:pRg st="8" end="8"/>
                                             </p:txEl>
                                           </p:spTgt>
                                         </p:tgtEl>
@@ -3349,7 +5299,7 @@
 </p:sld>
 </file>
 
-<file path=ppt/slides/slide4.xml><?xml version="1.0" encoding="utf-8"?>
+<file path=ppt/slides/slide5.xml><?xml version="1.0" encoding="utf-8"?>
 <p:sld xmlns:a="http://schemas.openxmlformats.org/drawingml/2006/main" xmlns:r="http://schemas.openxmlformats.org/officeDocument/2006/relationships" xmlns:p="http://schemas.openxmlformats.org/presentationml/2006/main">
   <p:cSld>
     <p:spTree>
@@ -3511,512 +5461,6 @@
 </p:sld>
 </file>
 
-<file path=ppt/slides/slide5.xml><?xml version="1.0" encoding="utf-8"?>
-<p:sld xmlns:a="http://schemas.openxmlformats.org/drawingml/2006/main" xmlns:r="http://schemas.openxmlformats.org/officeDocument/2006/relationships" xmlns:p="http://schemas.openxmlformats.org/presentationml/2006/main">
-  <p:cSld>
-    <p:spTree>
-      <p:nvGrpSpPr>
-        <p:cNvPr id="1" name=""/>
-        <p:cNvGrpSpPr/>
-        <p:nvPr/>
-      </p:nvGrpSpPr>
-      <p:grpSpPr>
-        <a:xfrm>
-          <a:off x="0" y="0"/>
-          <a:ext cx="0" cy="0"/>
-          <a:chOff x="0" y="0"/>
-          <a:chExt cx="0" cy="0"/>
-        </a:xfrm>
-      </p:grpSpPr>
-      <p:sp>
-        <p:nvSpPr>
-          <p:cNvPr id="50" name="TextShape 1"/>
-          <p:cNvSpPr txBox="1"/>
-          <p:nvPr/>
-        </p:nvSpPr>
-        <p:spPr>
-          <a:xfrm>
-            <a:off x="504000" y="302760"/>
-            <a:ext cx="9071640" cy="1259640"/>
-          </a:xfrm>
-          <a:prstGeom prst="rect">
-            <a:avLst/>
-          </a:prstGeom>
-        </p:spPr>
-        <p:txBody>
-          <a:bodyPr anchor="ctr"/>
-          <a:lstStyle/>
-          <a:p>
-            <a:pPr algn="ctr">
-              <a:lnSpc>
-                <a:spcPct val="100000"/>
-              </a:lnSpc>
-            </a:pPr>
-            <a:r>
-              <a:rPr lang="en-US" sz="4400">
-                <a:solidFill>
-                  <a:srgbClr val="000000"/>
-                </a:solidFill>
-                <a:latin typeface="Calibri"/>
-              </a:rPr>
-              <a:t>Methodology – Pipeline</a:t>
-            </a:r>
-            <a:endParaRPr/>
-          </a:p>
-        </p:txBody>
-      </p:sp>
-      <p:sp>
-        <p:nvSpPr>
-          <p:cNvPr id="51" name="TextShape 2"/>
-          <p:cNvSpPr txBox="1"/>
-          <p:nvPr/>
-        </p:nvSpPr>
-        <p:spPr>
-          <a:xfrm>
-            <a:off x="504000" y="1764000"/>
-            <a:ext cx="9071640" cy="4988880"/>
-          </a:xfrm>
-          <a:prstGeom prst="rect">
-            <a:avLst/>
-          </a:prstGeom>
-        </p:spPr>
-        <p:txBody>
-          <a:bodyPr/>
-          <a:lstStyle/>
-          <a:p>
-            <a:pPr>
-              <a:lnSpc>
-                <a:spcPct val="100000"/>
-              </a:lnSpc>
-              <a:buFont typeface="Arial"/>
-              <a:buAutoNum type="arabicPeriod"/>
-            </a:pPr>
-            <a:r>
-              <a:rPr lang="en-US" sz="3200" dirty="0">
-                <a:solidFill>
-                  <a:srgbClr val="000000"/>
-                </a:solidFill>
-                <a:latin typeface="Calibri"/>
-              </a:rPr>
-              <a:t>Blocking (smaller decision space</a:t>
-            </a:r>
-            <a:r>
-              <a:rPr lang="en-US" sz="3200" dirty="0" smtClean="0">
-                <a:solidFill>
-                  <a:srgbClr val="000000"/>
-                </a:solidFill>
-                <a:latin typeface="Calibri"/>
-              </a:rPr>
-              <a:t>)</a:t>
-            </a:r>
-          </a:p>
-          <a:p>
-            <a:pPr marL="742950" lvl="1" indent="-285750">
-              <a:buFont typeface="Arial"/>
-              <a:buChar char="•"/>
-            </a:pPr>
-            <a:r>
-              <a:rPr lang="en-US" dirty="0" smtClean="0">
-                <a:solidFill>
-                  <a:srgbClr val="000000"/>
-                </a:solidFill>
-                <a:latin typeface="Calibri"/>
-              </a:rPr>
-              <a:t>It’s unlikely that David Smith and Wei Chen are the same person</a:t>
-            </a:r>
-          </a:p>
-          <a:p>
-            <a:pPr marL="742950" lvl="1" indent="-285750">
-              <a:buFont typeface="Arial"/>
-              <a:buChar char="•"/>
-            </a:pPr>
-            <a:r>
-              <a:rPr lang="en-US" dirty="0" smtClean="0">
-                <a:solidFill>
-                  <a:srgbClr val="000000"/>
-                </a:solidFill>
-                <a:latin typeface="Calibri"/>
-              </a:rPr>
-              <a:t>Only compare authors that have the same first and last names</a:t>
-            </a:r>
-            <a:endParaRPr dirty="0"/>
-          </a:p>
-          <a:p>
-            <a:pPr>
-              <a:lnSpc>
-                <a:spcPct val="100000"/>
-              </a:lnSpc>
-              <a:buFont typeface="Arial"/>
-              <a:buAutoNum type="arabicPeriod"/>
-            </a:pPr>
-            <a:r>
-              <a:rPr lang="en-US" sz="3200" dirty="0" smtClean="0">
-                <a:solidFill>
-                  <a:srgbClr val="000000"/>
-                </a:solidFill>
-                <a:latin typeface="Calibri"/>
-              </a:rPr>
-              <a:t>Pairwise </a:t>
-            </a:r>
-            <a:r>
-              <a:rPr lang="en-US" sz="3200" dirty="0">
-                <a:solidFill>
-                  <a:srgbClr val="000000"/>
-                </a:solidFill>
-                <a:latin typeface="Calibri"/>
-              </a:rPr>
-              <a:t>classifier</a:t>
-            </a:r>
-            <a:endParaRPr dirty="0"/>
-          </a:p>
-          <a:p>
-            <a:pPr>
-              <a:lnSpc>
-                <a:spcPct val="100000"/>
-              </a:lnSpc>
-              <a:buFont typeface="Arial"/>
-              <a:buAutoNum type="arabicPeriod"/>
-            </a:pPr>
-            <a:r>
-              <a:rPr lang="en-US" sz="3200" dirty="0" smtClean="0">
-                <a:solidFill>
-                  <a:srgbClr val="000000"/>
-                </a:solidFill>
-                <a:latin typeface="Calibri"/>
-              </a:rPr>
-              <a:t>Merge</a:t>
-            </a:r>
-          </a:p>
-          <a:p>
-            <a:pPr>
-              <a:lnSpc>
-                <a:spcPct val="100000"/>
-              </a:lnSpc>
-            </a:pPr>
-            <a:endParaRPr dirty="0"/>
-          </a:p>
-          <a:p>
-            <a:pPr>
-              <a:lnSpc>
-                <a:spcPct val="100000"/>
-              </a:lnSpc>
-            </a:pPr>
-            <a:endParaRPr lang="en-US" sz="3200" dirty="0" smtClean="0">
-              <a:solidFill>
-                <a:srgbClr val="000000"/>
-              </a:solidFill>
-              <a:latin typeface="Calibri"/>
-            </a:endParaRPr>
-          </a:p>
-          <a:p>
-            <a:pPr>
-              <a:lnSpc>
-                <a:spcPct val="100000"/>
-              </a:lnSpc>
-            </a:pPr>
-            <a:endParaRPr lang="en-US" sz="3200" dirty="0">
-              <a:solidFill>
-                <a:srgbClr val="000000"/>
-              </a:solidFill>
-              <a:latin typeface="Calibri"/>
-            </a:endParaRPr>
-          </a:p>
-          <a:p>
-            <a:pPr>
-              <a:lnSpc>
-                <a:spcPct val="100000"/>
-              </a:lnSpc>
-            </a:pPr>
-            <a:endParaRPr lang="en-US" sz="3200" dirty="0" smtClean="0">
-              <a:solidFill>
-                <a:srgbClr val="000000"/>
-              </a:solidFill>
-              <a:latin typeface="Calibri"/>
-            </a:endParaRPr>
-          </a:p>
-          <a:p>
-            <a:pPr>
-              <a:lnSpc>
-                <a:spcPct val="100000"/>
-              </a:lnSpc>
-            </a:pPr>
-            <a:endParaRPr lang="en-US" sz="3200" dirty="0">
-              <a:solidFill>
-                <a:srgbClr val="000000"/>
-              </a:solidFill>
-              <a:latin typeface="Calibri"/>
-            </a:endParaRPr>
-          </a:p>
-          <a:p>
-            <a:pPr>
-              <a:lnSpc>
-                <a:spcPct val="100000"/>
-              </a:lnSpc>
-            </a:pPr>
-            <a:r>
-              <a:rPr lang="en-US" sz="3200" dirty="0" smtClean="0">
-                <a:solidFill>
-                  <a:srgbClr val="000000"/>
-                </a:solidFill>
-                <a:latin typeface="Calibri"/>
-              </a:rPr>
-              <a:t>The </a:t>
-            </a:r>
-            <a:r>
-              <a:rPr lang="en-US" sz="3200" dirty="0">
-                <a:solidFill>
-                  <a:srgbClr val="000000"/>
-                </a:solidFill>
-                <a:latin typeface="Calibri"/>
-              </a:rPr>
-              <a:t>goal is to build a better classifier.</a:t>
-            </a:r>
-            <a:endParaRPr dirty="0"/>
-          </a:p>
-        </p:txBody>
-      </p:sp>
-      <p:sp>
-        <p:nvSpPr>
-          <p:cNvPr id="2" name="Oval 1"/>
-          <p:cNvSpPr/>
-          <p:nvPr/>
-        </p:nvSpPr>
-        <p:spPr>
-          <a:xfrm>
-            <a:off x="3344455" y="3504741"/>
-            <a:ext cx="1832180" cy="921025"/>
-          </a:xfrm>
-          <a:prstGeom prst="ellipse">
-            <a:avLst/>
-          </a:prstGeom>
-        </p:spPr>
-        <p:style>
-          <a:lnRef idx="1">
-            <a:schemeClr val="accent1"/>
-          </a:lnRef>
-          <a:fillRef idx="3">
-            <a:schemeClr val="accent1"/>
-          </a:fillRef>
-          <a:effectRef idx="2">
-            <a:schemeClr val="accent1"/>
-          </a:effectRef>
-          <a:fontRef idx="minor">
-            <a:schemeClr val="lt1"/>
-          </a:fontRef>
-        </p:style>
-        <p:txBody>
-          <a:bodyPr rtlCol="0" anchor="ctr"/>
-          <a:lstStyle/>
-          <a:p>
-            <a:pPr algn="ctr"/>
-            <a:r>
-              <a:rPr lang="en-US" dirty="0" smtClean="0"/>
-              <a:t>David Smith 1</a:t>
-            </a:r>
-            <a:endParaRPr lang="en-US" dirty="0"/>
-          </a:p>
-        </p:txBody>
-      </p:sp>
-      <p:sp>
-        <p:nvSpPr>
-          <p:cNvPr id="5" name="Oval 4"/>
-          <p:cNvSpPr/>
-          <p:nvPr/>
-        </p:nvSpPr>
-        <p:spPr>
-          <a:xfrm>
-            <a:off x="2055142" y="4730566"/>
-            <a:ext cx="1832180" cy="921025"/>
-          </a:xfrm>
-          <a:prstGeom prst="ellipse">
-            <a:avLst/>
-          </a:prstGeom>
-        </p:spPr>
-        <p:style>
-          <a:lnRef idx="1">
-            <a:schemeClr val="accent1"/>
-          </a:lnRef>
-          <a:fillRef idx="3">
-            <a:schemeClr val="accent1"/>
-          </a:fillRef>
-          <a:effectRef idx="2">
-            <a:schemeClr val="accent1"/>
-          </a:effectRef>
-          <a:fontRef idx="minor">
-            <a:schemeClr val="lt1"/>
-          </a:fontRef>
-        </p:style>
-        <p:txBody>
-          <a:bodyPr rtlCol="0" anchor="ctr"/>
-          <a:lstStyle/>
-          <a:p>
-            <a:pPr algn="ctr"/>
-            <a:r>
-              <a:rPr lang="en-US" dirty="0" smtClean="0"/>
-              <a:t>David Smith 2</a:t>
-            </a:r>
-            <a:endParaRPr lang="en-US" dirty="0"/>
-          </a:p>
-        </p:txBody>
-      </p:sp>
-      <p:sp>
-        <p:nvSpPr>
-          <p:cNvPr id="6" name="Oval 5"/>
-          <p:cNvSpPr/>
-          <p:nvPr/>
-        </p:nvSpPr>
-        <p:spPr>
-          <a:xfrm>
-            <a:off x="4740401" y="4730566"/>
-            <a:ext cx="1832180" cy="921025"/>
-          </a:xfrm>
-          <a:prstGeom prst="ellipse">
-            <a:avLst/>
-          </a:prstGeom>
-        </p:spPr>
-        <p:style>
-          <a:lnRef idx="1">
-            <a:schemeClr val="accent1"/>
-          </a:lnRef>
-          <a:fillRef idx="3">
-            <a:schemeClr val="accent1"/>
-          </a:fillRef>
-          <a:effectRef idx="2">
-            <a:schemeClr val="accent1"/>
-          </a:effectRef>
-          <a:fontRef idx="minor">
-            <a:schemeClr val="lt1"/>
-          </a:fontRef>
-        </p:style>
-        <p:txBody>
-          <a:bodyPr rtlCol="0" anchor="ctr"/>
-          <a:lstStyle/>
-          <a:p>
-            <a:pPr algn="ctr"/>
-            <a:r>
-              <a:rPr lang="en-US" dirty="0" smtClean="0"/>
-              <a:t>David Smith 3</a:t>
-            </a:r>
-            <a:endParaRPr lang="en-US" dirty="0"/>
-          </a:p>
-        </p:txBody>
-      </p:sp>
-      <p:cxnSp>
-        <p:nvCxnSpPr>
-          <p:cNvPr id="4" name="Straight Connector 3"/>
-          <p:cNvCxnSpPr>
-            <a:endCxn id="2" idx="3"/>
-          </p:cNvCxnSpPr>
-          <p:nvPr/>
-        </p:nvCxnSpPr>
-        <p:spPr>
-          <a:xfrm flipV="1">
-            <a:off x="2995469" y="4290885"/>
-            <a:ext cx="617303" cy="439681"/>
-          </a:xfrm>
-          <a:prstGeom prst="line">
-            <a:avLst/>
-          </a:prstGeom>
-        </p:spPr>
-        <p:style>
-          <a:lnRef idx="2">
-            <a:schemeClr val="accent1"/>
-          </a:lnRef>
-          <a:fillRef idx="0">
-            <a:schemeClr val="accent1"/>
-          </a:fillRef>
-          <a:effectRef idx="1">
-            <a:schemeClr val="accent1"/>
-          </a:effectRef>
-          <a:fontRef idx="minor">
-            <a:schemeClr val="tx1"/>
-          </a:fontRef>
-        </p:style>
-      </p:cxnSp>
-      <p:cxnSp>
-        <p:nvCxnSpPr>
-          <p:cNvPr id="8" name="Straight Connector 7"/>
-          <p:cNvCxnSpPr>
-            <a:stCxn id="2" idx="5"/>
-            <a:endCxn id="6" idx="0"/>
-          </p:cNvCxnSpPr>
-          <p:nvPr/>
-        </p:nvCxnSpPr>
-        <p:spPr>
-          <a:xfrm>
-            <a:off x="4908318" y="4290885"/>
-            <a:ext cx="748173" cy="439681"/>
-          </a:xfrm>
-          <a:prstGeom prst="line">
-            <a:avLst/>
-          </a:prstGeom>
-        </p:spPr>
-        <p:style>
-          <a:lnRef idx="2">
-            <a:schemeClr val="accent1"/>
-          </a:lnRef>
-          <a:fillRef idx="0">
-            <a:schemeClr val="accent1"/>
-          </a:fillRef>
-          <a:effectRef idx="1">
-            <a:schemeClr val="accent1"/>
-          </a:effectRef>
-          <a:fontRef idx="minor">
-            <a:schemeClr val="tx1"/>
-          </a:fontRef>
-        </p:style>
-      </p:cxnSp>
-      <p:cxnSp>
-        <p:nvCxnSpPr>
-          <p:cNvPr id="10" name="Straight Connector 9"/>
-          <p:cNvCxnSpPr>
-            <a:stCxn id="5" idx="6"/>
-            <a:endCxn id="6" idx="2"/>
-          </p:cNvCxnSpPr>
-          <p:nvPr/>
-        </p:nvCxnSpPr>
-        <p:spPr>
-          <a:xfrm>
-            <a:off x="3887322" y="5191079"/>
-            <a:ext cx="853079" cy="0"/>
-          </a:xfrm>
-          <a:prstGeom prst="line">
-            <a:avLst/>
-          </a:prstGeom>
-          <a:ln>
-            <a:prstDash val="sysDash"/>
-          </a:ln>
-        </p:spPr>
-        <p:style>
-          <a:lnRef idx="2">
-            <a:schemeClr val="accent1"/>
-          </a:lnRef>
-          <a:fillRef idx="0">
-            <a:schemeClr val="accent1"/>
-          </a:fillRef>
-          <a:effectRef idx="1">
-            <a:schemeClr val="accent1"/>
-          </a:effectRef>
-          <a:fontRef idx="minor">
-            <a:schemeClr val="tx1"/>
-          </a:fontRef>
-        </p:style>
-      </p:cxnSp>
-    </p:spTree>
-  </p:cSld>
-  <p:clrMapOvr>
-    <a:masterClrMapping/>
-  </p:clrMapOvr>
-  <p:timing>
-    <p:tnLst>
-      <p:par>
-        <p:cTn xmlns:p14="http://schemas.microsoft.com/office/powerpoint/2010/main" id="1" dur="indefinite" restart="never" nodeType="tmRoot"/>
-      </p:par>
-    </p:tnLst>
-  </p:timing>
-</p:sld>
-</file>
-
 <file path=ppt/slides/slide6.xml><?xml version="1.0" encoding="utf-8"?>
 <p:sld xmlns:a="http://schemas.openxmlformats.org/drawingml/2006/main" xmlns:r="http://schemas.openxmlformats.org/officeDocument/2006/relationships" xmlns:p="http://schemas.openxmlformats.org/presentationml/2006/main">
   <p:cSld>
@@ -4059,24 +5503,15 @@
               </a:lnSpc>
             </a:pPr>
             <a:r>
-              <a:rPr lang="en-US" sz="4400" dirty="0">
-                <a:solidFill>
-                  <a:srgbClr val="000000"/>
-                </a:solidFill>
-                <a:latin typeface="Calibri"/>
-              </a:rPr>
-              <a:t>Methodology – </a:t>
-            </a:r>
-            <a:r>
-              <a:rPr lang="en-US" sz="4400" dirty="0" smtClean="0">
-                <a:solidFill>
-                  <a:srgbClr val="000000"/>
-                </a:solidFill>
-                <a:latin typeface="Calibri"/>
-              </a:rPr>
-              <a:t>Classifier</a:t>
-            </a:r>
-            <a:endParaRPr dirty="0"/>
+              <a:rPr lang="en-US" sz="4400">
+                <a:solidFill>
+                  <a:srgbClr val="000000"/>
+                </a:solidFill>
+                <a:latin typeface="Calibri"/>
+              </a:rPr>
+              <a:t>Methodology – Pipeline</a:t>
+            </a:r>
+            <a:endParaRPr/>
           </a:p>
         </p:txBody>
       </p:sp>
@@ -4099,30 +5534,70 @@
           <a:bodyPr/>
           <a:lstStyle/>
           <a:p>
-            <a:pPr marL="285750" indent="-285750">
+            <a:pPr>
               <a:lnSpc>
                 <a:spcPct val="100000"/>
               </a:lnSpc>
               <a:buFont typeface="Arial"/>
+              <a:buAutoNum type="arabicPeriod"/>
+            </a:pPr>
+            <a:r>
+              <a:rPr lang="en-US" sz="3200" dirty="0">
+                <a:solidFill>
+                  <a:srgbClr val="000000"/>
+                </a:solidFill>
+                <a:latin typeface="Calibri"/>
+              </a:rPr>
+              <a:t>Blocking (smaller decision space</a:t>
+            </a:r>
+            <a:r>
+              <a:rPr lang="en-US" sz="3200" dirty="0" smtClean="0">
+                <a:solidFill>
+                  <a:srgbClr val="000000"/>
+                </a:solidFill>
+                <a:latin typeface="Calibri"/>
+              </a:rPr>
+              <a:t>)</a:t>
+            </a:r>
+          </a:p>
+          <a:p>
+            <a:pPr marL="742950" lvl="1" indent="-285750">
+              <a:buFont typeface="Arial"/>
               <a:buChar char="•"/>
             </a:pPr>
             <a:r>
-              <a:rPr lang="en-US" sz="3200" dirty="0" smtClean="0">
-                <a:solidFill>
-                  <a:srgbClr val="000000"/>
-                </a:solidFill>
-                <a:latin typeface="Calibri"/>
-              </a:rPr>
-              <a:t>Consider pairs of author mentions</a:t>
-            </a:r>
-          </a:p>
-          <a:p>
-            <a:pPr marL="285750" indent="-285750">
+              <a:rPr lang="en-US" dirty="0" smtClean="0">
+                <a:solidFill>
+                  <a:srgbClr val="000000"/>
+                </a:solidFill>
+                <a:latin typeface="Calibri"/>
+              </a:rPr>
+              <a:t>It’s unlikely that David Smith and Wei Chen are the same person</a:t>
+            </a:r>
+          </a:p>
+          <a:p>
+            <a:pPr marL="742950" lvl="1" indent="-285750">
+              <a:buFont typeface="Arial"/>
+              <a:buChar char="•"/>
+            </a:pPr>
+            <a:r>
+              <a:rPr lang="en-US" dirty="0" smtClean="0">
+                <a:solidFill>
+                  <a:srgbClr val="000000"/>
+                </a:solidFill>
+                <a:latin typeface="Calibri"/>
+              </a:rPr>
+              <a:t>Only compare authors that have the same first and last names</a:t>
+            </a:r>
+            <a:endParaRPr dirty="0"/>
+          </a:p>
+          <a:p>
+            <a:pPr>
               <a:lnSpc>
                 <a:spcPct val="100000"/>
               </a:lnSpc>
               <a:buFont typeface="Arial"/>
-              <a:buChar char="•"/>
+              <a:buAutoNum type="arabicPeriod"/>
             </a:pPr>
             <a:r>
               <a:rPr lang="en-US" sz="3200" dirty="0" smtClean="0">
@@ -4131,13 +5606,26 @@
                 </a:solidFill>
                 <a:latin typeface="Calibri"/>
               </a:rPr>
-              <a:t>How likely are they the same person based on</a:t>
-            </a:r>
-          </a:p>
-          <a:p>
-            <a:pPr marL="742950" lvl="1" indent="-285750">
+              <a:t>Pairwise </a:t>
+            </a:r>
+            <a:r>
+              <a:rPr lang="en-US" sz="3200" dirty="0">
+                <a:solidFill>
+                  <a:srgbClr val="000000"/>
+                </a:solidFill>
+                <a:latin typeface="Calibri"/>
+              </a:rPr>
+              <a:t>classifier</a:t>
+            </a:r>
+            <a:endParaRPr dirty="0"/>
+          </a:p>
+          <a:p>
+            <a:pPr>
+              <a:lnSpc>
+                <a:spcPct val="100000"/>
+              </a:lnSpc>
               <a:buFont typeface="Arial"/>
-              <a:buChar char="•"/>
+              <a:buAutoNum type="arabicPeriod"/>
             </a:pPr>
             <a:r>
               <a:rPr lang="en-US" sz="3200" dirty="0" smtClean="0">
@@ -4146,90 +5634,325 @@
                 </a:solidFill>
                 <a:latin typeface="Calibri"/>
               </a:rPr>
-              <a:t>Name</a:t>
-            </a:r>
-          </a:p>
-          <a:p>
-            <a:pPr marL="742950" lvl="1" indent="-285750">
-              <a:buFont typeface="Arial"/>
-              <a:buChar char="•"/>
-            </a:pPr>
-            <a:r>
-              <a:rPr lang="en-US" sz="3200" dirty="0" smtClean="0">
-                <a:solidFill>
-                  <a:srgbClr val="000000"/>
-                </a:solidFill>
-                <a:latin typeface="Calibri"/>
-              </a:rPr>
-              <a:t>Venue</a:t>
-            </a:r>
-          </a:p>
-          <a:p>
-            <a:pPr marL="742950" lvl="1" indent="-285750">
-              <a:buFont typeface="Arial"/>
-              <a:buChar char="•"/>
-            </a:pPr>
-            <a:r>
-              <a:rPr lang="en-US" sz="3200" dirty="0" smtClean="0">
-                <a:solidFill>
-                  <a:srgbClr val="000000"/>
-                </a:solidFill>
-                <a:latin typeface="Calibri"/>
-              </a:rPr>
-              <a:t>Affiliation</a:t>
-            </a:r>
-          </a:p>
-          <a:p>
-            <a:pPr marL="742950" lvl="1" indent="-285750">
-              <a:buFont typeface="Arial"/>
-              <a:buChar char="•"/>
-            </a:pPr>
-            <a:r>
-              <a:rPr lang="en-US" sz="3200" dirty="0" smtClean="0">
-                <a:solidFill>
-                  <a:srgbClr val="000000"/>
-                </a:solidFill>
-                <a:latin typeface="Calibri"/>
-              </a:rPr>
-              <a:t>Coauthors</a:t>
-            </a:r>
-            <a:endParaRPr sz="3200" dirty="0">
+              <a:t>Merge</a:t>
+            </a:r>
+          </a:p>
+          <a:p>
+            <a:pPr>
+              <a:lnSpc>
+                <a:spcPct val="100000"/>
+              </a:lnSpc>
+            </a:pPr>
+            <a:endParaRPr dirty="0"/>
+          </a:p>
+          <a:p>
+            <a:pPr>
+              <a:lnSpc>
+                <a:spcPct val="100000"/>
+              </a:lnSpc>
+            </a:pPr>
+            <a:endParaRPr lang="en-US" sz="3200" dirty="0" smtClean="0">
               <a:solidFill>
                 <a:srgbClr val="000000"/>
               </a:solidFill>
               <a:latin typeface="Calibri"/>
             </a:endParaRPr>
           </a:p>
-        </p:txBody>
-      </p:sp>
-      <p:pic>
-        <p:nvPicPr>
-          <p:cNvPr id="4" name="Picture 3"/>
-          <p:cNvPicPr/>
+          <a:p>
+            <a:pPr>
+              <a:lnSpc>
+                <a:spcPct val="100000"/>
+              </a:lnSpc>
+            </a:pPr>
+            <a:endParaRPr lang="en-US" sz="3200" dirty="0">
+              <a:solidFill>
+                <a:srgbClr val="000000"/>
+              </a:solidFill>
+              <a:latin typeface="Calibri"/>
+            </a:endParaRPr>
+          </a:p>
+          <a:p>
+            <a:pPr>
+              <a:lnSpc>
+                <a:spcPct val="100000"/>
+              </a:lnSpc>
+            </a:pPr>
+            <a:endParaRPr lang="en-US" sz="3200" dirty="0" smtClean="0">
+              <a:solidFill>
+                <a:srgbClr val="000000"/>
+              </a:solidFill>
+              <a:latin typeface="Calibri"/>
+            </a:endParaRPr>
+          </a:p>
+          <a:p>
+            <a:pPr>
+              <a:lnSpc>
+                <a:spcPct val="100000"/>
+              </a:lnSpc>
+            </a:pPr>
+            <a:endParaRPr lang="en-US" sz="3200" dirty="0">
+              <a:solidFill>
+                <a:srgbClr val="000000"/>
+              </a:solidFill>
+              <a:latin typeface="Calibri"/>
+            </a:endParaRPr>
+          </a:p>
+          <a:p>
+            <a:pPr>
+              <a:lnSpc>
+                <a:spcPct val="100000"/>
+              </a:lnSpc>
+            </a:pPr>
+            <a:r>
+              <a:rPr lang="en-US" sz="3200" dirty="0" smtClean="0">
+                <a:solidFill>
+                  <a:srgbClr val="000000"/>
+                </a:solidFill>
+                <a:latin typeface="Calibri"/>
+              </a:rPr>
+              <a:t>The </a:t>
+            </a:r>
+            <a:r>
+              <a:rPr lang="en-US" sz="3200" dirty="0">
+                <a:solidFill>
+                  <a:srgbClr val="000000"/>
+                </a:solidFill>
+                <a:latin typeface="Calibri"/>
+              </a:rPr>
+              <a:t>goal is to build a better classifier.</a:t>
+            </a:r>
+            <a:endParaRPr dirty="0"/>
+          </a:p>
+        </p:txBody>
+      </p:sp>
+      <p:sp>
+        <p:nvSpPr>
+          <p:cNvPr id="2" name="Oval 1"/>
+          <p:cNvSpPr/>
           <p:nvPr/>
-        </p:nvPicPr>
-        <p:blipFill>
-          <a:blip r:embed="rId2"/>
-          <a:stretch>
-            <a:fillRect/>
-          </a:stretch>
-        </p:blipFill>
-        <p:spPr>
-          <a:xfrm>
-            <a:off x="1234984" y="4739135"/>
-            <a:ext cx="8137080" cy="2093040"/>
-          </a:xfrm>
-          <a:prstGeom prst="rect">
-            <a:avLst/>
-          </a:prstGeom>
-        </p:spPr>
-      </p:pic>
+        </p:nvSpPr>
+        <p:spPr>
+          <a:xfrm>
+            <a:off x="3344455" y="3504741"/>
+            <a:ext cx="1832180" cy="921025"/>
+          </a:xfrm>
+          <a:prstGeom prst="ellipse">
+            <a:avLst/>
+          </a:prstGeom>
+        </p:spPr>
+        <p:style>
+          <a:lnRef idx="1">
+            <a:schemeClr val="accent1"/>
+          </a:lnRef>
+          <a:fillRef idx="3">
+            <a:schemeClr val="accent1"/>
+          </a:fillRef>
+          <a:effectRef idx="2">
+            <a:schemeClr val="accent1"/>
+          </a:effectRef>
+          <a:fontRef idx="minor">
+            <a:schemeClr val="lt1"/>
+          </a:fontRef>
+        </p:style>
+        <p:txBody>
+          <a:bodyPr rtlCol="0" anchor="ctr"/>
+          <a:lstStyle/>
+          <a:p>
+            <a:pPr algn="ctr"/>
+            <a:r>
+              <a:rPr lang="en-US" dirty="0" smtClean="0"/>
+              <a:t>David Smith 1</a:t>
+            </a:r>
+            <a:endParaRPr lang="en-US" dirty="0"/>
+          </a:p>
+        </p:txBody>
+      </p:sp>
+      <p:sp>
+        <p:nvSpPr>
+          <p:cNvPr id="5" name="Oval 4"/>
+          <p:cNvSpPr/>
+          <p:nvPr/>
+        </p:nvSpPr>
+        <p:spPr>
+          <a:xfrm>
+            <a:off x="2055142" y="4730566"/>
+            <a:ext cx="1832180" cy="921025"/>
+          </a:xfrm>
+          <a:prstGeom prst="ellipse">
+            <a:avLst/>
+          </a:prstGeom>
+        </p:spPr>
+        <p:style>
+          <a:lnRef idx="1">
+            <a:schemeClr val="accent1"/>
+          </a:lnRef>
+          <a:fillRef idx="3">
+            <a:schemeClr val="accent1"/>
+          </a:fillRef>
+          <a:effectRef idx="2">
+            <a:schemeClr val="accent1"/>
+          </a:effectRef>
+          <a:fontRef idx="minor">
+            <a:schemeClr val="lt1"/>
+          </a:fontRef>
+        </p:style>
+        <p:txBody>
+          <a:bodyPr rtlCol="0" anchor="ctr"/>
+          <a:lstStyle/>
+          <a:p>
+            <a:pPr algn="ctr"/>
+            <a:r>
+              <a:rPr lang="en-US" dirty="0" smtClean="0"/>
+              <a:t>David Smith 2</a:t>
+            </a:r>
+            <a:endParaRPr lang="en-US" dirty="0"/>
+          </a:p>
+        </p:txBody>
+      </p:sp>
+      <p:sp>
+        <p:nvSpPr>
+          <p:cNvPr id="6" name="Oval 5"/>
+          <p:cNvSpPr/>
+          <p:nvPr/>
+        </p:nvSpPr>
+        <p:spPr>
+          <a:xfrm>
+            <a:off x="4740401" y="4730566"/>
+            <a:ext cx="1832180" cy="921025"/>
+          </a:xfrm>
+          <a:prstGeom prst="ellipse">
+            <a:avLst/>
+          </a:prstGeom>
+        </p:spPr>
+        <p:style>
+          <a:lnRef idx="1">
+            <a:schemeClr val="accent1"/>
+          </a:lnRef>
+          <a:fillRef idx="3">
+            <a:schemeClr val="accent1"/>
+          </a:fillRef>
+          <a:effectRef idx="2">
+            <a:schemeClr val="accent1"/>
+          </a:effectRef>
+          <a:fontRef idx="minor">
+            <a:schemeClr val="lt1"/>
+          </a:fontRef>
+        </p:style>
+        <p:txBody>
+          <a:bodyPr rtlCol="0" anchor="ctr"/>
+          <a:lstStyle/>
+          <a:p>
+            <a:pPr algn="ctr"/>
+            <a:r>
+              <a:rPr lang="en-US" dirty="0" smtClean="0"/>
+              <a:t>David Smith 3</a:t>
+            </a:r>
+            <a:endParaRPr lang="en-US" dirty="0"/>
+          </a:p>
+        </p:txBody>
+      </p:sp>
+      <p:cxnSp>
+        <p:nvCxnSpPr>
+          <p:cNvPr id="4" name="Straight Connector 3"/>
+          <p:cNvCxnSpPr>
+            <a:endCxn id="2" idx="3"/>
+          </p:cNvCxnSpPr>
+          <p:nvPr/>
+        </p:nvCxnSpPr>
+        <p:spPr>
+          <a:xfrm flipV="1">
+            <a:off x="2995469" y="4290885"/>
+            <a:ext cx="617303" cy="439681"/>
+          </a:xfrm>
+          <a:prstGeom prst="line">
+            <a:avLst/>
+          </a:prstGeom>
+        </p:spPr>
+        <p:style>
+          <a:lnRef idx="2">
+            <a:schemeClr val="accent1"/>
+          </a:lnRef>
+          <a:fillRef idx="0">
+            <a:schemeClr val="accent1"/>
+          </a:fillRef>
+          <a:effectRef idx="1">
+            <a:schemeClr val="accent1"/>
+          </a:effectRef>
+          <a:fontRef idx="minor">
+            <a:schemeClr val="tx1"/>
+          </a:fontRef>
+        </p:style>
+      </p:cxnSp>
+      <p:cxnSp>
+        <p:nvCxnSpPr>
+          <p:cNvPr id="8" name="Straight Connector 7"/>
+          <p:cNvCxnSpPr>
+            <a:stCxn id="2" idx="5"/>
+            <a:endCxn id="6" idx="0"/>
+          </p:cNvCxnSpPr>
+          <p:nvPr/>
+        </p:nvCxnSpPr>
+        <p:spPr>
+          <a:xfrm>
+            <a:off x="4908318" y="4290885"/>
+            <a:ext cx="748173" cy="439681"/>
+          </a:xfrm>
+          <a:prstGeom prst="line">
+            <a:avLst/>
+          </a:prstGeom>
+        </p:spPr>
+        <p:style>
+          <a:lnRef idx="2">
+            <a:schemeClr val="accent1"/>
+          </a:lnRef>
+          <a:fillRef idx="0">
+            <a:schemeClr val="accent1"/>
+          </a:fillRef>
+          <a:effectRef idx="1">
+            <a:schemeClr val="accent1"/>
+          </a:effectRef>
+          <a:fontRef idx="minor">
+            <a:schemeClr val="tx1"/>
+          </a:fontRef>
+        </p:style>
+      </p:cxnSp>
+      <p:cxnSp>
+        <p:nvCxnSpPr>
+          <p:cNvPr id="10" name="Straight Connector 9"/>
+          <p:cNvCxnSpPr>
+            <a:stCxn id="5" idx="6"/>
+            <a:endCxn id="6" idx="2"/>
+          </p:cNvCxnSpPr>
+          <p:nvPr/>
+        </p:nvCxnSpPr>
+        <p:spPr>
+          <a:xfrm>
+            <a:off x="3887322" y="5191079"/>
+            <a:ext cx="853079" cy="0"/>
+          </a:xfrm>
+          <a:prstGeom prst="line">
+            <a:avLst/>
+          </a:prstGeom>
+          <a:ln>
+            <a:prstDash val="sysDash"/>
+          </a:ln>
+        </p:spPr>
+        <p:style>
+          <a:lnRef idx="2">
+            <a:schemeClr val="accent1"/>
+          </a:lnRef>
+          <a:fillRef idx="0">
+            <a:schemeClr val="accent1"/>
+          </a:fillRef>
+          <a:effectRef idx="1">
+            <a:schemeClr val="accent1"/>
+          </a:effectRef>
+          <a:fontRef idx="minor">
+            <a:schemeClr val="tx1"/>
+          </a:fontRef>
+        </p:style>
+      </p:cxnSp>
     </p:spTree>
-    <p:extLst>
-      <p:ext uri="{BB962C8B-B14F-4D97-AF65-F5344CB8AC3E}">
-        <p14:creationId xmlns:p14="http://schemas.microsoft.com/office/powerpoint/2010/main" val="3406866126"/>
-      </p:ext>
-    </p:extLst>
   </p:cSld>
   <p:clrMapOvr>
     <a:masterClrMapping/>
@@ -4286,13 +6009,22 @@
               </a:lnSpc>
             </a:pPr>
             <a:r>
+              <a:rPr lang="en-US" sz="4400" dirty="0">
+                <a:solidFill>
+                  <a:srgbClr val="000000"/>
+                </a:solidFill>
+                <a:latin typeface="Calibri"/>
+              </a:rPr>
+              <a:t>Methodology – </a:t>
+            </a:r>
+            <a:r>
               <a:rPr lang="en-US" sz="4400" dirty="0" smtClean="0">
                 <a:solidFill>
                   <a:srgbClr val="000000"/>
                 </a:solidFill>
                 <a:latin typeface="Calibri"/>
               </a:rPr>
-              <a:t>Data</a:t>
+              <a:t>Classifier</a:t>
             </a:r>
             <a:endParaRPr dirty="0"/>
           </a:p>
@@ -4331,7 +6063,25 @@
                 </a:solidFill>
                 <a:latin typeface="Calibri"/>
               </a:rPr>
-              <a:t>Annotations</a:t>
+              <a:t>Consider pairs of author mentions</a:t>
+            </a:r>
+          </a:p>
+          <a:p>
+            <a:pPr marL="285750" indent="-285750">
+              <a:lnSpc>
+                <a:spcPct val="100000"/>
+              </a:lnSpc>
+              <a:buFont typeface="Arial"/>
+              <a:buChar char="•"/>
+            </a:pPr>
+            <a:r>
+              <a:rPr lang="en-US" sz="3200" dirty="0" smtClean="0">
+                <a:solidFill>
+                  <a:srgbClr val="000000"/>
+                </a:solidFill>
+                <a:latin typeface="Calibri"/>
+              </a:rPr>
+              <a:t>How likely are they the same person based on</a:t>
             </a:r>
           </a:p>
           <a:p>
@@ -4346,7 +6096,7 @@
                 </a:solidFill>
                 <a:latin typeface="Calibri"/>
               </a:rPr>
-              <a:t>Group the same authors together</a:t>
+              <a:t>Name</a:t>
             </a:r>
           </a:p>
           <a:p>
@@ -4361,7 +6111,7 @@
                 </a:solidFill>
                 <a:latin typeface="Calibri"/>
               </a:rPr>
-              <a:t>Add affiliation information</a:t>
+              <a:t>Venue</a:t>
             </a:r>
           </a:p>
           <a:p>
@@ -4376,7 +6126,22 @@
                 </a:solidFill>
                 <a:latin typeface="Calibri"/>
               </a:rPr>
-              <a:t>Annotated 700 publications</a:t>
+              <a:t>Affiliation</a:t>
+            </a:r>
+          </a:p>
+          <a:p>
+            <a:pPr marL="742950" lvl="1" indent="-285750">
+              <a:buFont typeface="Arial"/>
+              <a:buChar char="•"/>
+            </a:pPr>
+            <a:r>
+              <a:rPr lang="en-US" sz="3200" dirty="0" smtClean="0">
+                <a:solidFill>
+                  <a:srgbClr val="000000"/>
+                </a:solidFill>
+                <a:latin typeface="Calibri"/>
+              </a:rPr>
+              <a:t>Coauthors</a:t>
             </a:r>
             <a:endParaRPr sz="3200" dirty="0">
               <a:solidFill>
@@ -4387,10 +6152,32 @@
           </a:p>
         </p:txBody>
       </p:sp>
+      <p:pic>
+        <p:nvPicPr>
+          <p:cNvPr id="4" name="Picture 3"/>
+          <p:cNvPicPr/>
+          <p:nvPr/>
+        </p:nvPicPr>
+        <p:blipFill>
+          <a:blip r:embed="rId2"/>
+          <a:stretch>
+            <a:fillRect/>
+          </a:stretch>
+        </p:blipFill>
+        <p:spPr>
+          <a:xfrm>
+            <a:off x="1234984" y="4739135"/>
+            <a:ext cx="8137080" cy="2093040"/>
+          </a:xfrm>
+          <a:prstGeom prst="rect">
+            <a:avLst/>
+          </a:prstGeom>
+        </p:spPr>
+      </p:pic>
     </p:spTree>
     <p:extLst>
       <p:ext uri="{BB962C8B-B14F-4D97-AF65-F5344CB8AC3E}">
-        <p14:creationId xmlns:p14="http://schemas.microsoft.com/office/powerpoint/2010/main" val="3630927858"/>
+        <p14:creationId xmlns:p14="http://schemas.microsoft.com/office/powerpoint/2010/main" val="3406866126"/>
       </p:ext>
     </p:extLst>
   </p:cSld>
@@ -4455,7 +6242,7 @@
                 </a:solidFill>
                 <a:latin typeface="Calibri"/>
               </a:rPr>
-              <a:t>Features</a:t>
+              <a:t>Data</a:t>
             </a:r>
             <a:endParaRPr dirty="0"/>
           </a:p>
@@ -4487,6 +6274,60 @@
               <a:buFont typeface="Arial"/>
               <a:buChar char="•"/>
             </a:pPr>
+            <a:r>
+              <a:rPr lang="en-US" sz="3200" dirty="0" smtClean="0">
+                <a:solidFill>
+                  <a:srgbClr val="000000"/>
+                </a:solidFill>
+                <a:latin typeface="Calibri"/>
+              </a:rPr>
+              <a:t>Annotations</a:t>
+            </a:r>
+          </a:p>
+          <a:p>
+            <a:pPr marL="742950" lvl="1" indent="-285750">
+              <a:buFont typeface="Arial"/>
+              <a:buChar char="•"/>
+            </a:pPr>
+            <a:r>
+              <a:rPr lang="en-US" sz="3200" dirty="0" smtClean="0">
+                <a:solidFill>
+                  <a:srgbClr val="000000"/>
+                </a:solidFill>
+                <a:latin typeface="Calibri"/>
+              </a:rPr>
+              <a:t>Group the same authors together</a:t>
+            </a:r>
+          </a:p>
+          <a:p>
+            <a:pPr marL="742950" lvl="1" indent="-285750">
+              <a:buFont typeface="Arial"/>
+              <a:buChar char="•"/>
+            </a:pPr>
+            <a:r>
+              <a:rPr lang="en-US" sz="3200" dirty="0" smtClean="0">
+                <a:solidFill>
+                  <a:srgbClr val="000000"/>
+                </a:solidFill>
+                <a:latin typeface="Calibri"/>
+              </a:rPr>
+              <a:t>Add affiliation information</a:t>
+            </a:r>
+          </a:p>
+          <a:p>
+            <a:pPr marL="742950" lvl="1" indent="-285750">
+              <a:buFont typeface="Arial"/>
+              <a:buChar char="•"/>
+            </a:pPr>
+            <a:r>
+              <a:rPr lang="en-US" sz="3200" dirty="0" smtClean="0">
+                <a:solidFill>
+                  <a:srgbClr val="000000"/>
+                </a:solidFill>
+                <a:latin typeface="Calibri"/>
+              </a:rPr>
+              <a:t>Annotated 700 publications</a:t>
+            </a:r>
             <a:endParaRPr sz="3200" dirty="0">
               <a:solidFill>
                 <a:srgbClr val="000000"/>
@@ -4496,129 +6337,10 @@
           </a:p>
         </p:txBody>
       </p:sp>
-      <p:sp>
-        <p:nvSpPr>
-          <p:cNvPr id="4" name="TextShape 2"/>
-          <p:cNvSpPr txBox="1"/>
-          <p:nvPr/>
-        </p:nvSpPr>
-        <p:spPr>
-          <a:xfrm>
-            <a:off x="656400" y="1916400"/>
-            <a:ext cx="9071640" cy="4988880"/>
-          </a:xfrm>
-          <a:prstGeom prst="rect">
-            <a:avLst/>
-          </a:prstGeom>
-        </p:spPr>
-        <p:txBody>
-          <a:bodyPr/>
-          <a:lstStyle/>
-          <a:p>
-            <a:pPr marL="285750" indent="-285750">
-              <a:lnSpc>
-                <a:spcPct val="100000"/>
-              </a:lnSpc>
-              <a:buFont typeface="Arial"/>
-              <a:buChar char="•"/>
-            </a:pPr>
-            <a:r>
-              <a:rPr lang="en-US" sz="3200" dirty="0" smtClean="0">
-                <a:solidFill>
-                  <a:srgbClr val="000000"/>
-                </a:solidFill>
-                <a:latin typeface="Calibri"/>
-              </a:rPr>
-              <a:t>Affiliation</a:t>
-            </a:r>
-          </a:p>
-          <a:p>
-            <a:pPr marL="742950" lvl="1" indent="-285750">
-              <a:buFont typeface="Arial"/>
-              <a:buChar char="•"/>
-            </a:pPr>
-            <a:r>
-              <a:rPr lang="en-US" sz="3200" dirty="0" smtClean="0">
-                <a:solidFill>
-                  <a:srgbClr val="000000"/>
-                </a:solidFill>
-                <a:latin typeface="Calibri"/>
-              </a:rPr>
-              <a:t>Are the authors from the same institution?</a:t>
-            </a:r>
-          </a:p>
-          <a:p>
-            <a:pPr marL="285750" indent="-285750">
-              <a:lnSpc>
-                <a:spcPct val="100000"/>
-              </a:lnSpc>
-              <a:buFont typeface="Arial"/>
-              <a:buChar char="•"/>
-            </a:pPr>
-            <a:r>
-              <a:rPr lang="en-US" sz="3200" dirty="0" smtClean="0">
-                <a:solidFill>
-                  <a:srgbClr val="000000"/>
-                </a:solidFill>
-                <a:latin typeface="Calibri"/>
-              </a:rPr>
-              <a:t>Venue</a:t>
-            </a:r>
-          </a:p>
-          <a:p>
-            <a:pPr marL="742950" lvl="1" indent="-285750">
-              <a:buFont typeface="Arial"/>
-              <a:buChar char="•"/>
-            </a:pPr>
-            <a:r>
-              <a:rPr lang="en-US" sz="3200" dirty="0" smtClean="0">
-                <a:solidFill>
-                  <a:srgbClr val="000000"/>
-                </a:solidFill>
-                <a:latin typeface="Calibri"/>
-              </a:rPr>
-              <a:t>How likely is it that one author published in the two venues?</a:t>
-            </a:r>
-          </a:p>
-          <a:p>
-            <a:pPr marL="285750" indent="-285750">
-              <a:lnSpc>
-                <a:spcPct val="100000"/>
-              </a:lnSpc>
-              <a:buFont typeface="Arial"/>
-              <a:buChar char="•"/>
-            </a:pPr>
-            <a:r>
-              <a:rPr lang="en-US" sz="3200" dirty="0" smtClean="0">
-                <a:solidFill>
-                  <a:srgbClr val="000000"/>
-                </a:solidFill>
-                <a:latin typeface="Calibri"/>
-              </a:rPr>
-              <a:t>Coauthors</a:t>
-            </a:r>
-          </a:p>
-          <a:p>
-            <a:pPr marL="742950" lvl="1" indent="-285750">
-              <a:buFont typeface="Arial"/>
-              <a:buChar char="•"/>
-            </a:pPr>
-            <a:r>
-              <a:rPr lang="en-US" sz="3200" dirty="0" smtClean="0">
-                <a:solidFill>
-                  <a:srgbClr val="000000"/>
-                </a:solidFill>
-                <a:latin typeface="Calibri"/>
-              </a:rPr>
-              <a:t>Do they collaborate with  the same people?</a:t>
-            </a:r>
-          </a:p>
-        </p:txBody>
-      </p:sp>
     </p:spTree>
     <p:extLst>
       <p:ext uri="{BB962C8B-B14F-4D97-AF65-F5344CB8AC3E}">
-        <p14:creationId xmlns:p14="http://schemas.microsoft.com/office/powerpoint/2010/main" val="1713531825"/>
+        <p14:creationId xmlns:p14="http://schemas.microsoft.com/office/powerpoint/2010/main" val="3630927858"/>
       </p:ext>
     </p:extLst>
   </p:cSld>
@@ -4683,7 +6405,7 @@
                 </a:solidFill>
                 <a:latin typeface="Calibri"/>
               </a:rPr>
-              <a:t>Evaluation</a:t>
+              <a:t>Features</a:t>
             </a:r>
             <a:endParaRPr dirty="0"/>
           </a:p>
@@ -4715,6 +6437,41 @@
               <a:buFont typeface="Arial"/>
               <a:buChar char="•"/>
             </a:pPr>
+            <a:endParaRPr sz="3200" dirty="0">
+              <a:solidFill>
+                <a:srgbClr val="000000"/>
+              </a:solidFill>
+              <a:latin typeface="Calibri"/>
+            </a:endParaRPr>
+          </a:p>
+        </p:txBody>
+      </p:sp>
+      <p:sp>
+        <p:nvSpPr>
+          <p:cNvPr id="4" name="TextShape 2"/>
+          <p:cNvSpPr txBox="1"/>
+          <p:nvPr/>
+        </p:nvSpPr>
+        <p:spPr>
+          <a:xfrm>
+            <a:off x="656400" y="1916400"/>
+            <a:ext cx="9071640" cy="4988880"/>
+          </a:xfrm>
+          <a:prstGeom prst="rect">
+            <a:avLst/>
+          </a:prstGeom>
+        </p:spPr>
+        <p:txBody>
+          <a:bodyPr/>
+          <a:lstStyle/>
+          <a:p>
+            <a:pPr marL="285750" indent="-285750">
+              <a:lnSpc>
+                <a:spcPct val="100000"/>
+              </a:lnSpc>
+              <a:buFont typeface="Arial"/>
+              <a:buChar char="•"/>
+            </a:pPr>
             <a:r>
               <a:rPr lang="en-US" sz="3200" dirty="0" smtClean="0">
                 <a:solidFill>
@@ -4722,7 +6479,7 @@
                 </a:solidFill>
                 <a:latin typeface="Calibri"/>
               </a:rPr>
-              <a:t>Classification accuracy not enough</a:t>
+              <a:t>Affiliation</a:t>
             </a:r>
           </a:p>
           <a:p>
@@ -4737,242 +6494,81 @@
                 </a:solidFill>
                 <a:latin typeface="Calibri"/>
               </a:rPr>
-              <a:t>We can deduce that DS2=DS3 despite classification error</a:t>
-            </a:r>
-          </a:p>
-        </p:txBody>
-      </p:sp>
-      <p:sp>
-        <p:nvSpPr>
-          <p:cNvPr id="4" name="Oval 3"/>
-          <p:cNvSpPr/>
-          <p:nvPr/>
-        </p:nvSpPr>
-        <p:spPr>
-          <a:xfrm>
-            <a:off x="5305778" y="3475656"/>
-            <a:ext cx="1832180" cy="921025"/>
-          </a:xfrm>
-          <a:prstGeom prst="ellipse">
-            <a:avLst/>
-          </a:prstGeom>
-        </p:spPr>
-        <p:style>
-          <a:lnRef idx="1">
-            <a:schemeClr val="accent1"/>
-          </a:lnRef>
-          <a:fillRef idx="3">
-            <a:schemeClr val="accent1"/>
-          </a:fillRef>
-          <a:effectRef idx="2">
-            <a:schemeClr val="accent1"/>
-          </a:effectRef>
-          <a:fontRef idx="minor">
-            <a:schemeClr val="lt1"/>
-          </a:fontRef>
-        </p:style>
-        <p:txBody>
-          <a:bodyPr rtlCol="0" anchor="ctr"/>
-          <a:lstStyle/>
-          <a:p>
-            <a:pPr algn="ctr"/>
-            <a:r>
-              <a:rPr lang="en-US" dirty="0" smtClean="0"/>
-              <a:t>David Smith 1</a:t>
-            </a:r>
-            <a:endParaRPr lang="en-US" dirty="0"/>
-          </a:p>
-        </p:txBody>
-      </p:sp>
-      <p:sp>
-        <p:nvSpPr>
-          <p:cNvPr id="5" name="Oval 4"/>
-          <p:cNvSpPr/>
-          <p:nvPr/>
-        </p:nvSpPr>
-        <p:spPr>
-          <a:xfrm>
-            <a:off x="4016465" y="4701481"/>
-            <a:ext cx="1832180" cy="921025"/>
-          </a:xfrm>
-          <a:prstGeom prst="ellipse">
-            <a:avLst/>
-          </a:prstGeom>
-        </p:spPr>
-        <p:style>
-          <a:lnRef idx="1">
-            <a:schemeClr val="accent1"/>
-          </a:lnRef>
-          <a:fillRef idx="3">
-            <a:schemeClr val="accent1"/>
-          </a:fillRef>
-          <a:effectRef idx="2">
-            <a:schemeClr val="accent1"/>
-          </a:effectRef>
-          <a:fontRef idx="minor">
-            <a:schemeClr val="lt1"/>
-          </a:fontRef>
-        </p:style>
-        <p:txBody>
-          <a:bodyPr rtlCol="0" anchor="ctr"/>
-          <a:lstStyle/>
-          <a:p>
-            <a:pPr algn="ctr"/>
-            <a:r>
-              <a:rPr lang="en-US" dirty="0" smtClean="0"/>
-              <a:t>David Smith 2</a:t>
-            </a:r>
-            <a:endParaRPr lang="en-US" dirty="0"/>
-          </a:p>
-        </p:txBody>
-      </p:sp>
-      <p:sp>
-        <p:nvSpPr>
-          <p:cNvPr id="6" name="Oval 5"/>
-          <p:cNvSpPr/>
-          <p:nvPr/>
-        </p:nvSpPr>
-        <p:spPr>
-          <a:xfrm>
-            <a:off x="6701724" y="4701481"/>
-            <a:ext cx="1832180" cy="921025"/>
-          </a:xfrm>
-          <a:prstGeom prst="ellipse">
-            <a:avLst/>
-          </a:prstGeom>
-        </p:spPr>
-        <p:style>
-          <a:lnRef idx="1">
-            <a:schemeClr val="accent1"/>
-          </a:lnRef>
-          <a:fillRef idx="3">
-            <a:schemeClr val="accent1"/>
-          </a:fillRef>
-          <a:effectRef idx="2">
-            <a:schemeClr val="accent1"/>
-          </a:effectRef>
-          <a:fontRef idx="minor">
-            <a:schemeClr val="lt1"/>
-          </a:fontRef>
-        </p:style>
-        <p:txBody>
-          <a:bodyPr rtlCol="0" anchor="ctr"/>
-          <a:lstStyle/>
-          <a:p>
-            <a:pPr algn="ctr"/>
-            <a:r>
-              <a:rPr lang="en-US" dirty="0" smtClean="0"/>
-              <a:t>David Smith 3</a:t>
-            </a:r>
-            <a:endParaRPr lang="en-US" dirty="0"/>
-          </a:p>
-        </p:txBody>
-      </p:sp>
-      <p:cxnSp>
-        <p:nvCxnSpPr>
-          <p:cNvPr id="7" name="Straight Connector 6"/>
-          <p:cNvCxnSpPr>
-            <a:endCxn id="4" idx="3"/>
-          </p:cNvCxnSpPr>
-          <p:nvPr/>
-        </p:nvCxnSpPr>
-        <p:spPr>
-          <a:xfrm flipV="1">
-            <a:off x="4956792" y="4261800"/>
-            <a:ext cx="617303" cy="439681"/>
-          </a:xfrm>
-          <a:prstGeom prst="line">
-            <a:avLst/>
-          </a:prstGeom>
-        </p:spPr>
-        <p:style>
-          <a:lnRef idx="2">
-            <a:schemeClr val="accent1"/>
-          </a:lnRef>
-          <a:fillRef idx="0">
-            <a:schemeClr val="accent1"/>
-          </a:fillRef>
-          <a:effectRef idx="1">
-            <a:schemeClr val="accent1"/>
-          </a:effectRef>
-          <a:fontRef idx="minor">
-            <a:schemeClr val="tx1"/>
-          </a:fontRef>
-        </p:style>
-      </p:cxnSp>
-      <p:cxnSp>
-        <p:nvCxnSpPr>
-          <p:cNvPr id="8" name="Straight Connector 7"/>
-          <p:cNvCxnSpPr>
-            <a:stCxn id="4" idx="5"/>
-            <a:endCxn id="6" idx="0"/>
-          </p:cNvCxnSpPr>
-          <p:nvPr/>
-        </p:nvCxnSpPr>
-        <p:spPr>
-          <a:xfrm>
-            <a:off x="6869641" y="4261800"/>
-            <a:ext cx="748173" cy="439681"/>
-          </a:xfrm>
-          <a:prstGeom prst="line">
-            <a:avLst/>
-          </a:prstGeom>
-        </p:spPr>
-        <p:style>
-          <a:lnRef idx="2">
-            <a:schemeClr val="accent1"/>
-          </a:lnRef>
-          <a:fillRef idx="0">
-            <a:schemeClr val="accent1"/>
-          </a:fillRef>
-          <a:effectRef idx="1">
-            <a:schemeClr val="accent1"/>
-          </a:effectRef>
-          <a:fontRef idx="minor">
-            <a:schemeClr val="tx1"/>
-          </a:fontRef>
-        </p:style>
-      </p:cxnSp>
-      <p:cxnSp>
-        <p:nvCxnSpPr>
-          <p:cNvPr id="9" name="Straight Connector 8"/>
-          <p:cNvCxnSpPr>
-            <a:stCxn id="5" idx="6"/>
-            <a:endCxn id="6" idx="2"/>
-          </p:cNvCxnSpPr>
-          <p:nvPr/>
-        </p:nvCxnSpPr>
-        <p:spPr>
-          <a:xfrm>
-            <a:off x="5848645" y="5161994"/>
-            <a:ext cx="853079" cy="0"/>
-          </a:xfrm>
-          <a:prstGeom prst="line">
-            <a:avLst/>
-          </a:prstGeom>
-          <a:ln>
-            <a:prstDash val="sysDash"/>
-          </a:ln>
-        </p:spPr>
-        <p:style>
-          <a:lnRef idx="2">
-            <a:schemeClr val="accent1"/>
-          </a:lnRef>
-          <a:fillRef idx="0">
-            <a:schemeClr val="accent1"/>
-          </a:fillRef>
-          <a:effectRef idx="1">
-            <a:schemeClr val="accent1"/>
-          </a:effectRef>
-          <a:fontRef idx="minor">
-            <a:schemeClr val="tx1"/>
-          </a:fontRef>
-        </p:style>
-      </p:cxnSp>
+              <a:t>Are the authors from the same institution?</a:t>
+            </a:r>
+          </a:p>
+          <a:p>
+            <a:pPr marL="285750" indent="-285750">
+              <a:lnSpc>
+                <a:spcPct val="100000"/>
+              </a:lnSpc>
+              <a:buFont typeface="Arial"/>
+              <a:buChar char="•"/>
+            </a:pPr>
+            <a:r>
+              <a:rPr lang="en-US" sz="3200" dirty="0" smtClean="0">
+                <a:solidFill>
+                  <a:srgbClr val="000000"/>
+                </a:solidFill>
+                <a:latin typeface="Calibri"/>
+              </a:rPr>
+              <a:t>Venue</a:t>
+            </a:r>
+          </a:p>
+          <a:p>
+            <a:pPr marL="742950" lvl="1" indent="-285750">
+              <a:buFont typeface="Arial"/>
+              <a:buChar char="•"/>
+            </a:pPr>
+            <a:r>
+              <a:rPr lang="en-US" sz="3200" dirty="0" smtClean="0">
+                <a:solidFill>
+                  <a:srgbClr val="000000"/>
+                </a:solidFill>
+                <a:latin typeface="Calibri"/>
+              </a:rPr>
+              <a:t>How likely is it that one author published in the two venues?</a:t>
+            </a:r>
+          </a:p>
+          <a:p>
+            <a:pPr marL="285750" indent="-285750">
+              <a:lnSpc>
+                <a:spcPct val="100000"/>
+              </a:lnSpc>
+              <a:buFont typeface="Arial"/>
+              <a:buChar char="•"/>
+            </a:pPr>
+            <a:r>
+              <a:rPr lang="en-US" sz="3200" dirty="0" smtClean="0">
+                <a:solidFill>
+                  <a:srgbClr val="000000"/>
+                </a:solidFill>
+                <a:latin typeface="Calibri"/>
+              </a:rPr>
+              <a:t>Coauthors</a:t>
+            </a:r>
+          </a:p>
+          <a:p>
+            <a:pPr marL="742950" lvl="1" indent="-285750">
+              <a:buFont typeface="Arial"/>
+              <a:buChar char="•"/>
+            </a:pPr>
+            <a:r>
+              <a:rPr lang="en-US" sz="3200" dirty="0" smtClean="0">
+                <a:solidFill>
+                  <a:srgbClr val="000000"/>
+                </a:solidFill>
+                <a:latin typeface="Calibri"/>
+              </a:rPr>
+              <a:t>Do they collaborate with  the same people?</a:t>
+            </a:r>
+          </a:p>
+        </p:txBody>
+      </p:sp>
     </p:spTree>
     <p:extLst>
       <p:ext uri="{BB962C8B-B14F-4D97-AF65-F5344CB8AC3E}">
-        <p14:creationId xmlns:p14="http://schemas.microsoft.com/office/powerpoint/2010/main" val="2449085474"/>
+        <p14:creationId xmlns:p14="http://schemas.microsoft.com/office/powerpoint/2010/main" val="1713531825"/>
       </p:ext>
     </p:extLst>
   </p:cSld>
